--- a/16. DFD Essencial para cada Capacidade.pptx
+++ b/16. DFD Essencial para cada Capacidade.pptx
@@ -6,7 +6,9 @@
   </p:sldMasterIdLst>
   <p:sldIdLst>
     <p:sldId id="256" r:id="rId2"/>
-    <p:sldId id="257" r:id="rId3"/>
+    <p:sldId id="258" r:id="rId3"/>
+    <p:sldId id="257" r:id="rId4"/>
+    <p:sldId id="259" r:id="rId5"/>
   </p:sldIdLst>
   <p:sldSz cx="12192000" cy="6858000"/>
   <p:notesSz cx="6858000" cy="9144000"/>
@@ -116,16 +118,1226 @@
 <file path=ppt/revisionInfo.xml><?xml version="1.0" encoding="utf-8"?>
 <p1510:revInfo xmlns:a="http://schemas.openxmlformats.org/drawingml/2006/main" xmlns:r="http://schemas.openxmlformats.org/officeDocument/2006/relationships" xmlns:p1510="http://schemas.microsoft.com/office/powerpoint/2015/10/main">
   <p1510:revLst>
-    <p1510:client id="{3083E1A2-4CF7-4AD5-9C63-6475B16DB3FB}" v="119" dt="2020-10-16T23:51:42.210"/>
-    <p1510:client id="{52467C8F-7ABE-40C8-9723-8F7F11CB947E}" v="13" dt="2020-10-22T02:26:38.180"/>
-    <p1510:client id="{563CE5BB-1BF4-4151-B263-DD551E366814}" v="12" dt="2020-10-17T04:18:37.314"/>
-    <p1510:client id="{A983E9C7-3F42-4E3A-A2F8-DF21287CB50D}" v="72" dt="2020-10-17T02:01:33.679"/>
+    <p1510:client id="{0589B1FC-DBA7-4F3F-9EA7-3330450B0594}" v="2" dt="2020-11-07T06:30:37.440"/>
+    <p1510:client id="{2C03C9F3-3898-4A4B-9F56-DD4C393BA88D}" v="11" dt="2020-11-07T06:27:05.290"/>
+    <p1510:client id="{CBF341C9-5924-44A6-B2FC-E2E2939E44F1}" v="3" dt="2020-11-11T23:39:25.478"/>
+    <p1510:client id="{CCA96DBC-AA0A-465F-AA60-F582EB5AC529}" v="60" dt="2020-11-07T06:04:09.977"/>
   </p1510:revLst>
 </p1510:revInfo>
 </file>
 
 <file path=ppt/changesInfos/changesInfo1.xml><?xml version="1.0" encoding="utf-8"?>
 <pc:chgInfo xmlns:a="http://schemas.openxmlformats.org/drawingml/2006/main" xmlns:r="http://schemas.openxmlformats.org/officeDocument/2006/relationships" xmlns:ac="http://schemas.microsoft.com/office/drawing/2013/main/command" xmlns:pc="http://schemas.microsoft.com/office/powerpoint/2013/main/command">
+  <pc:docChgLst>
+    <pc:chgData name="Gabriel Casagrande" userId="e7a325a1baaa42ba" providerId="Windows Live" clId="Web-{1BD7AB38-D04B-4A80-8062-01A89D1E6CB4}"/>
+    <pc:docChg chg="modSld">
+      <pc:chgData name="Gabriel Casagrande" userId="e7a325a1baaa42ba" providerId="Windows Live" clId="Web-{1BD7AB38-D04B-4A80-8062-01A89D1E6CB4}" dt="2020-10-15T00:14:46.313" v="38" actId="20577"/>
+      <pc:docMkLst>
+        <pc:docMk/>
+      </pc:docMkLst>
+      <pc:sldChg chg="addSp delSp modSp">
+        <pc:chgData name="Gabriel Casagrande" userId="e7a325a1baaa42ba" providerId="Windows Live" clId="Web-{1BD7AB38-D04B-4A80-8062-01A89D1E6CB4}" dt="2020-10-15T00:14:46.157" v="37" actId="20577"/>
+        <pc:sldMkLst>
+          <pc:docMk/>
+          <pc:sldMk cId="2210866551" sldId="256"/>
+        </pc:sldMkLst>
+        <pc:spChg chg="add del">
+          <ac:chgData name="Gabriel Casagrande" userId="e7a325a1baaa42ba" providerId="Windows Live" clId="Web-{1BD7AB38-D04B-4A80-8062-01A89D1E6CB4}" dt="2020-10-14T22:50:40.102" v="1"/>
+          <ac:spMkLst>
+            <pc:docMk/>
+            <pc:sldMk cId="2210866551" sldId="256"/>
+            <ac:spMk id="2" creationId="{3F162EC9-35F2-4591-8255-811B8B32DDE6}"/>
+          </ac:spMkLst>
+        </pc:spChg>
+        <pc:spChg chg="add del">
+          <ac:chgData name="Gabriel Casagrande" userId="e7a325a1baaa42ba" providerId="Windows Live" clId="Web-{1BD7AB38-D04B-4A80-8062-01A89D1E6CB4}" dt="2020-10-14T22:50:40.102" v="1"/>
+          <ac:spMkLst>
+            <pc:docMk/>
+            <pc:sldMk cId="2210866551" sldId="256"/>
+            <ac:spMk id="3" creationId="{7E2E664D-EACF-45FC-8AE2-35CF81DA6F16}"/>
+          </ac:spMkLst>
+        </pc:spChg>
+        <pc:spChg chg="add del">
+          <ac:chgData name="Gabriel Casagrande" userId="e7a325a1baaa42ba" providerId="Windows Live" clId="Web-{1BD7AB38-D04B-4A80-8062-01A89D1E6CB4}" dt="2020-10-14T22:50:40.102" v="1"/>
+          <ac:spMkLst>
+            <pc:docMk/>
+            <pc:sldMk cId="2210866551" sldId="256"/>
+            <ac:spMk id="12" creationId="{882CF1F9-72AA-4398-BD40-982F649D0E6C}"/>
+          </ac:spMkLst>
+        </pc:spChg>
+        <pc:spChg chg="add del">
+          <ac:chgData name="Gabriel Casagrande" userId="e7a325a1baaa42ba" providerId="Windows Live" clId="Web-{1BD7AB38-D04B-4A80-8062-01A89D1E6CB4}" dt="2020-10-14T22:50:40.102" v="1"/>
+          <ac:spMkLst>
+            <pc:docMk/>
+            <pc:sldMk cId="2210866551" sldId="256"/>
+            <ac:spMk id="13" creationId="{F22D4323-C44C-48B0-9D94-A5E4A4EF3608}"/>
+          </ac:spMkLst>
+        </pc:spChg>
+        <pc:spChg chg="add del">
+          <ac:chgData name="Gabriel Casagrande" userId="e7a325a1baaa42ba" providerId="Windows Live" clId="Web-{1BD7AB38-D04B-4A80-8062-01A89D1E6CB4}" dt="2020-10-14T22:50:40.102" v="1"/>
+          <ac:spMkLst>
+            <pc:docMk/>
+            <pc:sldMk cId="2210866551" sldId="256"/>
+            <ac:spMk id="15" creationId="{51302004-A73A-4B0E-B567-F61475FF716C}"/>
+          </ac:spMkLst>
+        </pc:spChg>
+        <pc:spChg chg="add del">
+          <ac:chgData name="Gabriel Casagrande" userId="e7a325a1baaa42ba" providerId="Windows Live" clId="Web-{1BD7AB38-D04B-4A80-8062-01A89D1E6CB4}" dt="2020-10-14T22:50:40.102" v="1"/>
+          <ac:spMkLst>
+            <pc:docMk/>
+            <pc:sldMk cId="2210866551" sldId="256"/>
+            <ac:spMk id="17" creationId="{F0A5F2F8-0024-481A-92C4-0974E07789F5}"/>
+          </ac:spMkLst>
+        </pc:spChg>
+        <pc:spChg chg="add del">
+          <ac:chgData name="Gabriel Casagrande" userId="e7a325a1baaa42ba" providerId="Windows Live" clId="Web-{1BD7AB38-D04B-4A80-8062-01A89D1E6CB4}" dt="2020-10-14T22:50:40.102" v="1"/>
+          <ac:spMkLst>
+            <pc:docMk/>
+            <pc:sldMk cId="2210866551" sldId="256"/>
+            <ac:spMk id="18" creationId="{FA0980F6-E794-41C1-B7AA-1FF4DE0811B4}"/>
+          </ac:spMkLst>
+        </pc:spChg>
+        <pc:spChg chg="add del">
+          <ac:chgData name="Gabriel Casagrande" userId="e7a325a1baaa42ba" providerId="Windows Live" clId="Web-{1BD7AB38-D04B-4A80-8062-01A89D1E6CB4}" dt="2020-10-14T22:50:40.102" v="1"/>
+          <ac:spMkLst>
+            <pc:docMk/>
+            <pc:sldMk cId="2210866551" sldId="256"/>
+            <ac:spMk id="20" creationId="{99536B41-25A6-47F6-B50B-0794B586E8F5}"/>
+          </ac:spMkLst>
+        </pc:spChg>
+        <pc:spChg chg="add del">
+          <ac:chgData name="Gabriel Casagrande" userId="e7a325a1baaa42ba" providerId="Windows Live" clId="Web-{1BD7AB38-D04B-4A80-8062-01A89D1E6CB4}" dt="2020-10-14T22:50:40.102" v="1"/>
+          <ac:spMkLst>
+            <pc:docMk/>
+            <pc:sldMk cId="2210866551" sldId="256"/>
+            <ac:spMk id="22" creationId="{448D9E5C-B7B5-4BF5-A5BA-168A2B247EE9}"/>
+          </ac:spMkLst>
+        </pc:spChg>
+        <pc:spChg chg="add del">
+          <ac:chgData name="Gabriel Casagrande" userId="e7a325a1baaa42ba" providerId="Windows Live" clId="Web-{1BD7AB38-D04B-4A80-8062-01A89D1E6CB4}" dt="2020-10-14T22:50:40.102" v="1"/>
+          <ac:spMkLst>
+            <pc:docMk/>
+            <pc:sldMk cId="2210866551" sldId="256"/>
+            <ac:spMk id="24" creationId="{FF7FCD30-4FFC-492E-BFB6-CD831375A42D}"/>
+          </ac:spMkLst>
+        </pc:spChg>
+        <pc:spChg chg="add del">
+          <ac:chgData name="Gabriel Casagrande" userId="e7a325a1baaa42ba" providerId="Windows Live" clId="Web-{1BD7AB38-D04B-4A80-8062-01A89D1E6CB4}" dt="2020-10-14T22:50:40.102" v="1"/>
+          <ac:spMkLst>
+            <pc:docMk/>
+            <pc:sldMk cId="2210866551" sldId="256"/>
+            <ac:spMk id="29" creationId="{985A7ABA-062E-45D8-9531-4FA2DB5D406A}"/>
+          </ac:spMkLst>
+        </pc:spChg>
+        <pc:spChg chg="add del">
+          <ac:chgData name="Gabriel Casagrande" userId="e7a325a1baaa42ba" providerId="Windows Live" clId="Web-{1BD7AB38-D04B-4A80-8062-01A89D1E6CB4}" dt="2020-10-14T22:51:09.384" v="32"/>
+          <ac:spMkLst>
+            <pc:docMk/>
+            <pc:sldMk cId="2210866551" sldId="256"/>
+            <ac:spMk id="32" creationId="{3F162EC9-35F2-4591-8255-811B8B32DDE6}"/>
+          </ac:spMkLst>
+        </pc:spChg>
+        <pc:spChg chg="add del">
+          <ac:chgData name="Gabriel Casagrande" userId="e7a325a1baaa42ba" providerId="Windows Live" clId="Web-{1BD7AB38-D04B-4A80-8062-01A89D1E6CB4}" dt="2020-10-14T22:51:09.384" v="31"/>
+          <ac:spMkLst>
+            <pc:docMk/>
+            <pc:sldMk cId="2210866551" sldId="256"/>
+            <ac:spMk id="33" creationId="{7E2E664D-EACF-45FC-8AE2-35CF81DA6F16}"/>
+          </ac:spMkLst>
+        </pc:spChg>
+        <pc:spChg chg="add del">
+          <ac:chgData name="Gabriel Casagrande" userId="e7a325a1baaa42ba" providerId="Windows Live" clId="Web-{1BD7AB38-D04B-4A80-8062-01A89D1E6CB4}" dt="2020-10-14T22:51:09.368" v="22"/>
+          <ac:spMkLst>
+            <pc:docMk/>
+            <pc:sldMk cId="2210866551" sldId="256"/>
+            <ac:spMk id="42" creationId="{882CF1F9-72AA-4398-BD40-982F649D0E6C}"/>
+          </ac:spMkLst>
+        </pc:spChg>
+        <pc:spChg chg="add del">
+          <ac:chgData name="Gabriel Casagrande" userId="e7a325a1baaa42ba" providerId="Windows Live" clId="Web-{1BD7AB38-D04B-4A80-8062-01A89D1E6CB4}" dt="2020-10-14T22:51:09.368" v="21"/>
+          <ac:spMkLst>
+            <pc:docMk/>
+            <pc:sldMk cId="2210866551" sldId="256"/>
+            <ac:spMk id="43" creationId="{F22D4323-C44C-48B0-9D94-A5E4A4EF3608}"/>
+          </ac:spMkLst>
+        </pc:spChg>
+        <pc:spChg chg="add del">
+          <ac:chgData name="Gabriel Casagrande" userId="e7a325a1baaa42ba" providerId="Windows Live" clId="Web-{1BD7AB38-D04B-4A80-8062-01A89D1E6CB4}" dt="2020-10-14T22:51:09.368" v="19"/>
+          <ac:spMkLst>
+            <pc:docMk/>
+            <pc:sldMk cId="2210866551" sldId="256"/>
+            <ac:spMk id="45" creationId="{51302004-A73A-4B0E-B567-F61475FF716C}"/>
+          </ac:spMkLst>
+        </pc:spChg>
+        <pc:spChg chg="add del">
+          <ac:chgData name="Gabriel Casagrande" userId="e7a325a1baaa42ba" providerId="Windows Live" clId="Web-{1BD7AB38-D04B-4A80-8062-01A89D1E6CB4}" dt="2020-10-14T22:51:09.368" v="17"/>
+          <ac:spMkLst>
+            <pc:docMk/>
+            <pc:sldMk cId="2210866551" sldId="256"/>
+            <ac:spMk id="47" creationId="{F0A5F2F8-0024-481A-92C4-0974E07789F5}"/>
+          </ac:spMkLst>
+        </pc:spChg>
+        <pc:spChg chg="add del">
+          <ac:chgData name="Gabriel Casagrande" userId="e7a325a1baaa42ba" providerId="Windows Live" clId="Web-{1BD7AB38-D04B-4A80-8062-01A89D1E6CB4}" dt="2020-10-14T22:51:09.368" v="16"/>
+          <ac:spMkLst>
+            <pc:docMk/>
+            <pc:sldMk cId="2210866551" sldId="256"/>
+            <ac:spMk id="48" creationId="{FA0980F6-E794-41C1-B7AA-1FF4DE0811B4}"/>
+          </ac:spMkLst>
+        </pc:spChg>
+        <pc:spChg chg="add del">
+          <ac:chgData name="Gabriel Casagrande" userId="e7a325a1baaa42ba" providerId="Windows Live" clId="Web-{1BD7AB38-D04B-4A80-8062-01A89D1E6CB4}" dt="2020-10-14T22:51:09.352" v="14"/>
+          <ac:spMkLst>
+            <pc:docMk/>
+            <pc:sldMk cId="2210866551" sldId="256"/>
+            <ac:spMk id="50" creationId="{99536B41-25A6-47F6-B50B-0794B586E8F5}"/>
+          </ac:spMkLst>
+        </pc:spChg>
+        <pc:spChg chg="add del">
+          <ac:chgData name="Gabriel Casagrande" userId="e7a325a1baaa42ba" providerId="Windows Live" clId="Web-{1BD7AB38-D04B-4A80-8062-01A89D1E6CB4}" dt="2020-10-14T22:51:09.352" v="12"/>
+          <ac:spMkLst>
+            <pc:docMk/>
+            <pc:sldMk cId="2210866551" sldId="256"/>
+            <ac:spMk id="52" creationId="{448D9E5C-B7B5-4BF5-A5BA-168A2B247EE9}"/>
+          </ac:spMkLst>
+        </pc:spChg>
+        <pc:spChg chg="add del">
+          <ac:chgData name="Gabriel Casagrande" userId="e7a325a1baaa42ba" providerId="Windows Live" clId="Web-{1BD7AB38-D04B-4A80-8062-01A89D1E6CB4}" dt="2020-10-14T22:51:09.352" v="10"/>
+          <ac:spMkLst>
+            <pc:docMk/>
+            <pc:sldMk cId="2210866551" sldId="256"/>
+            <ac:spMk id="54" creationId="{FF7FCD30-4FFC-492E-BFB6-CD831375A42D}"/>
+          </ac:spMkLst>
+        </pc:spChg>
+        <pc:spChg chg="add del">
+          <ac:chgData name="Gabriel Casagrande" userId="e7a325a1baaa42ba" providerId="Windows Live" clId="Web-{1BD7AB38-D04B-4A80-8062-01A89D1E6CB4}" dt="2020-10-14T22:51:09.352" v="5"/>
+          <ac:spMkLst>
+            <pc:docMk/>
+            <pc:sldMk cId="2210866551" sldId="256"/>
+            <ac:spMk id="59" creationId="{985A7ABA-062E-45D8-9531-4FA2DB5D406A}"/>
+          </ac:spMkLst>
+        </pc:spChg>
+        <pc:spChg chg="add">
+          <ac:chgData name="Gabriel Casagrande" userId="e7a325a1baaa42ba" providerId="Windows Live" clId="Web-{1BD7AB38-D04B-4A80-8062-01A89D1E6CB4}" dt="2020-10-14T22:51:10.477" v="33"/>
+          <ac:spMkLst>
+            <pc:docMk/>
+            <pc:sldMk cId="2210866551" sldId="256"/>
+            <ac:spMk id="62" creationId="{77D97E14-17CE-4C01-B642-1290D2E7F36F}"/>
+          </ac:spMkLst>
+        </pc:spChg>
+        <pc:spChg chg="add">
+          <ac:chgData name="Gabriel Casagrande" userId="e7a325a1baaa42ba" providerId="Windows Live" clId="Web-{1BD7AB38-D04B-4A80-8062-01A89D1E6CB4}" dt="2020-10-14T22:51:10.477" v="33"/>
+          <ac:spMkLst>
+            <pc:docMk/>
+            <pc:sldMk cId="2210866551" sldId="256"/>
+            <ac:spMk id="63" creationId="{57AA21F1-B113-44AE-AA5A-C3FAC115093D}"/>
+          </ac:spMkLst>
+        </pc:spChg>
+        <pc:spChg chg="add">
+          <ac:chgData name="Gabriel Casagrande" userId="e7a325a1baaa42ba" providerId="Windows Live" clId="Web-{1BD7AB38-D04B-4A80-8062-01A89D1E6CB4}" dt="2020-10-14T22:51:10.477" v="33"/>
+          <ac:spMkLst>
+            <pc:docMk/>
+            <pc:sldMk cId="2210866551" sldId="256"/>
+            <ac:spMk id="74" creationId="{545B2C1E-5A5E-4AC4-AC73-7B635F4654FD}"/>
+          </ac:spMkLst>
+        </pc:spChg>
+        <pc:spChg chg="add">
+          <ac:chgData name="Gabriel Casagrande" userId="e7a325a1baaa42ba" providerId="Windows Live" clId="Web-{1BD7AB38-D04B-4A80-8062-01A89D1E6CB4}" dt="2020-10-14T22:51:10.477" v="33"/>
+          <ac:spMkLst>
+            <pc:docMk/>
+            <pc:sldMk cId="2210866551" sldId="256"/>
+            <ac:spMk id="75" creationId="{661BFA1B-5B17-4398-A37E-CDC8F060DE09}"/>
+          </ac:spMkLst>
+        </pc:spChg>
+        <pc:spChg chg="add">
+          <ac:chgData name="Gabriel Casagrande" userId="e7a325a1baaa42ba" providerId="Windows Live" clId="Web-{1BD7AB38-D04B-4A80-8062-01A89D1E6CB4}" dt="2020-10-14T22:51:10.477" v="33"/>
+          <ac:spMkLst>
+            <pc:docMk/>
+            <pc:sldMk cId="2210866551" sldId="256"/>
+            <ac:spMk id="77" creationId="{7CC70DB7-FADB-4ABC-9770-C4D234F4BDAC}"/>
+          </ac:spMkLst>
+        </pc:spChg>
+        <pc:spChg chg="add">
+          <ac:chgData name="Gabriel Casagrande" userId="e7a325a1baaa42ba" providerId="Windows Live" clId="Web-{1BD7AB38-D04B-4A80-8062-01A89D1E6CB4}" dt="2020-10-14T22:51:10.477" v="33"/>
+          <ac:spMkLst>
+            <pc:docMk/>
+            <pc:sldMk cId="2210866551" sldId="256"/>
+            <ac:spMk id="79" creationId="{94ACD128-4827-42F4-A091-0C352D721931}"/>
+          </ac:spMkLst>
+        </pc:spChg>
+        <pc:spChg chg="add">
+          <ac:chgData name="Gabriel Casagrande" userId="e7a325a1baaa42ba" providerId="Windows Live" clId="Web-{1BD7AB38-D04B-4A80-8062-01A89D1E6CB4}" dt="2020-10-14T22:51:10.477" v="33"/>
+          <ac:spMkLst>
+            <pc:docMk/>
+            <pc:sldMk cId="2210866551" sldId="256"/>
+            <ac:spMk id="80" creationId="{8B940CA9-FF0C-4C9F-A196-D06690534689}"/>
+          </ac:spMkLst>
+        </pc:spChg>
+        <pc:spChg chg="add">
+          <ac:chgData name="Gabriel Casagrande" userId="e7a325a1baaa42ba" providerId="Windows Live" clId="Web-{1BD7AB38-D04B-4A80-8062-01A89D1E6CB4}" dt="2020-10-14T22:51:10.477" v="33"/>
+          <ac:spMkLst>
+            <pc:docMk/>
+            <pc:sldMk cId="2210866551" sldId="256"/>
+            <ac:spMk id="82" creationId="{7454D2FC-6B62-436E-AA25-6BEF6924C373}"/>
+          </ac:spMkLst>
+        </pc:spChg>
+        <pc:spChg chg="add">
+          <ac:chgData name="Gabriel Casagrande" userId="e7a325a1baaa42ba" providerId="Windows Live" clId="Web-{1BD7AB38-D04B-4A80-8062-01A89D1E6CB4}" dt="2020-10-14T22:51:10.477" v="33"/>
+          <ac:spMkLst>
+            <pc:docMk/>
+            <pc:sldMk cId="2210866551" sldId="256"/>
+            <ac:spMk id="84" creationId="{EC389C23-43C6-41B4-971E-321A55F2CE4D}"/>
+          </ac:spMkLst>
+        </pc:spChg>
+        <pc:spChg chg="add">
+          <ac:chgData name="Gabriel Casagrande" userId="e7a325a1baaa42ba" providerId="Windows Live" clId="Web-{1BD7AB38-D04B-4A80-8062-01A89D1E6CB4}" dt="2020-10-14T22:51:10.477" v="33"/>
+          <ac:spMkLst>
+            <pc:docMk/>
+            <pc:sldMk cId="2210866551" sldId="256"/>
+            <ac:spMk id="86" creationId="{44943EB0-A140-4F39-9E70-7F7A9D9EF896}"/>
+          </ac:spMkLst>
+        </pc:spChg>
+        <pc:spChg chg="add">
+          <ac:chgData name="Gabriel Casagrande" userId="e7a325a1baaa42ba" providerId="Windows Live" clId="Web-{1BD7AB38-D04B-4A80-8062-01A89D1E6CB4}" dt="2020-10-14T22:51:10.477" v="33"/>
+          <ac:spMkLst>
+            <pc:docMk/>
+            <pc:sldMk cId="2210866551" sldId="256"/>
+            <ac:spMk id="90" creationId="{125F1AAF-4D51-40FD-AC58-CB05EADF63CA}"/>
+          </ac:spMkLst>
+        </pc:spChg>
+        <pc:spChg chg="add">
+          <ac:chgData name="Gabriel Casagrande" userId="e7a325a1baaa42ba" providerId="Windows Live" clId="Web-{1BD7AB38-D04B-4A80-8062-01A89D1E6CB4}" dt="2020-10-14T22:51:10.477" v="33"/>
+          <ac:spMkLst>
+            <pc:docMk/>
+            <pc:sldMk cId="2210866551" sldId="256"/>
+            <ac:spMk id="92" creationId="{D4C3851E-A7C8-4391-8E85-32ADBACEB607}"/>
+          </ac:spMkLst>
+        </pc:spChg>
+        <pc:spChg chg="add">
+          <ac:chgData name="Gabriel Casagrande" userId="e7a325a1baaa42ba" providerId="Windows Live" clId="Web-{1BD7AB38-D04B-4A80-8062-01A89D1E6CB4}" dt="2020-10-14T22:51:10.477" v="33"/>
+          <ac:spMkLst>
+            <pc:docMk/>
+            <pc:sldMk cId="2210866551" sldId="256"/>
+            <ac:spMk id="93" creationId="{4441E1EB-8C9E-452C-87F6-5CDC7F7900CB}"/>
+          </ac:spMkLst>
+        </pc:spChg>
+        <pc:spChg chg="add mod">
+          <ac:chgData name="Gabriel Casagrande" userId="e7a325a1baaa42ba" providerId="Windows Live" clId="Web-{1BD7AB38-D04B-4A80-8062-01A89D1E6CB4}" dt="2020-10-15T00:14:46.157" v="37" actId="20577"/>
+          <ac:spMkLst>
+            <pc:docMk/>
+            <pc:sldMk cId="2210866551" sldId="256"/>
+            <ac:spMk id="94" creationId="{2198883C-5A43-4782-B0E9-238B6EA605FA}"/>
+          </ac:spMkLst>
+        </pc:spChg>
+        <pc:cxnChg chg="add del">
+          <ac:chgData name="Gabriel Casagrande" userId="e7a325a1baaa42ba" providerId="Windows Live" clId="Web-{1BD7AB38-D04B-4A80-8062-01A89D1E6CB4}" dt="2020-10-14T22:50:40.102" v="1"/>
+          <ac:cxnSpMkLst>
+            <pc:docMk/>
+            <pc:sldMk cId="2210866551" sldId="256"/>
+            <ac:cxnSpMk id="4" creationId="{C069CE39-B8FE-4B22-81D6-81D1211DF7EA}"/>
+          </ac:cxnSpMkLst>
+        </pc:cxnChg>
+        <pc:cxnChg chg="add del">
+          <ac:chgData name="Gabriel Casagrande" userId="e7a325a1baaa42ba" providerId="Windows Live" clId="Web-{1BD7AB38-D04B-4A80-8062-01A89D1E6CB4}" dt="2020-10-14T22:50:40.102" v="1"/>
+          <ac:cxnSpMkLst>
+            <pc:docMk/>
+            <pc:sldMk cId="2210866551" sldId="256"/>
+            <ac:cxnSpMk id="5" creationId="{C6BA7C1F-C5AF-4466-803E-62EF6C05B257}"/>
+          </ac:cxnSpMkLst>
+        </pc:cxnChg>
+        <pc:cxnChg chg="add del">
+          <ac:chgData name="Gabriel Casagrande" userId="e7a325a1baaa42ba" providerId="Windows Live" clId="Web-{1BD7AB38-D04B-4A80-8062-01A89D1E6CB4}" dt="2020-10-14T22:50:40.102" v="1"/>
+          <ac:cxnSpMkLst>
+            <pc:docMk/>
+            <pc:sldMk cId="2210866551" sldId="256"/>
+            <ac:cxnSpMk id="6" creationId="{11334B00-C1E2-486C-95FC-ADBA762617F7}"/>
+          </ac:cxnSpMkLst>
+        </pc:cxnChg>
+        <pc:cxnChg chg="add del">
+          <ac:chgData name="Gabriel Casagrande" userId="e7a325a1baaa42ba" providerId="Windows Live" clId="Web-{1BD7AB38-D04B-4A80-8062-01A89D1E6CB4}" dt="2020-10-14T22:50:40.102" v="1"/>
+          <ac:cxnSpMkLst>
+            <pc:docMk/>
+            <pc:sldMk cId="2210866551" sldId="256"/>
+            <ac:cxnSpMk id="7" creationId="{D9C59FD9-0A85-4A51-BCA9-AEC05552B497}"/>
+          </ac:cxnSpMkLst>
+        </pc:cxnChg>
+        <pc:cxnChg chg="add del">
+          <ac:chgData name="Gabriel Casagrande" userId="e7a325a1baaa42ba" providerId="Windows Live" clId="Web-{1BD7AB38-D04B-4A80-8062-01A89D1E6CB4}" dt="2020-10-14T22:50:40.102" v="1"/>
+          <ac:cxnSpMkLst>
+            <pc:docMk/>
+            <pc:sldMk cId="2210866551" sldId="256"/>
+            <ac:cxnSpMk id="8" creationId="{E2981637-E283-4144-B695-74BA94790CA1}"/>
+          </ac:cxnSpMkLst>
+        </pc:cxnChg>
+        <pc:cxnChg chg="add del">
+          <ac:chgData name="Gabriel Casagrande" userId="e7a325a1baaa42ba" providerId="Windows Live" clId="Web-{1BD7AB38-D04B-4A80-8062-01A89D1E6CB4}" dt="2020-10-14T22:50:40.102" v="1"/>
+          <ac:cxnSpMkLst>
+            <pc:docMk/>
+            <pc:sldMk cId="2210866551" sldId="256"/>
+            <ac:cxnSpMk id="9" creationId="{45851E28-F88B-44B5-83B1-77CC0D79F5E2}"/>
+          </ac:cxnSpMkLst>
+        </pc:cxnChg>
+        <pc:cxnChg chg="add del">
+          <ac:chgData name="Gabriel Casagrande" userId="e7a325a1baaa42ba" providerId="Windows Live" clId="Web-{1BD7AB38-D04B-4A80-8062-01A89D1E6CB4}" dt="2020-10-14T22:50:40.102" v="1"/>
+          <ac:cxnSpMkLst>
+            <pc:docMk/>
+            <pc:sldMk cId="2210866551" sldId="256"/>
+            <ac:cxnSpMk id="10" creationId="{82CF7556-0EF3-4686-98B7-65FC9BD54453}"/>
+          </ac:cxnSpMkLst>
+        </pc:cxnChg>
+        <pc:cxnChg chg="add del">
+          <ac:chgData name="Gabriel Casagrande" userId="e7a325a1baaa42ba" providerId="Windows Live" clId="Web-{1BD7AB38-D04B-4A80-8062-01A89D1E6CB4}" dt="2020-10-14T22:50:40.102" v="1"/>
+          <ac:cxnSpMkLst>
+            <pc:docMk/>
+            <pc:sldMk cId="2210866551" sldId="256"/>
+            <ac:cxnSpMk id="11" creationId="{7AE2999D-E17D-4100-B970-3C40300DE09E}"/>
+          </ac:cxnSpMkLst>
+        </pc:cxnChg>
+        <pc:cxnChg chg="add del">
+          <ac:chgData name="Gabriel Casagrande" userId="e7a325a1baaa42ba" providerId="Windows Live" clId="Web-{1BD7AB38-D04B-4A80-8062-01A89D1E6CB4}" dt="2020-10-14T22:50:40.102" v="1"/>
+          <ac:cxnSpMkLst>
+            <pc:docMk/>
+            <pc:sldMk cId="2210866551" sldId="256"/>
+            <ac:cxnSpMk id="14" creationId="{C9F24C1E-594F-4740-9D64-6F1AA8905A84}"/>
+          </ac:cxnSpMkLst>
+        </pc:cxnChg>
+        <pc:cxnChg chg="add del">
+          <ac:chgData name="Gabriel Casagrande" userId="e7a325a1baaa42ba" providerId="Windows Live" clId="Web-{1BD7AB38-D04B-4A80-8062-01A89D1E6CB4}" dt="2020-10-14T22:50:40.102" v="1"/>
+          <ac:cxnSpMkLst>
+            <pc:docMk/>
+            <pc:sldMk cId="2210866551" sldId="256"/>
+            <ac:cxnSpMk id="16" creationId="{5AE3E9F9-D4FE-4710-89A6-ED648D8A4053}"/>
+          </ac:cxnSpMkLst>
+        </pc:cxnChg>
+        <pc:cxnChg chg="add del">
+          <ac:chgData name="Gabriel Casagrande" userId="e7a325a1baaa42ba" providerId="Windows Live" clId="Web-{1BD7AB38-D04B-4A80-8062-01A89D1E6CB4}" dt="2020-10-14T22:50:40.102" v="1"/>
+          <ac:cxnSpMkLst>
+            <pc:docMk/>
+            <pc:sldMk cId="2210866551" sldId="256"/>
+            <ac:cxnSpMk id="19" creationId="{FA97D7E2-7B18-4172-A200-0C5313D6DAD3}"/>
+          </ac:cxnSpMkLst>
+        </pc:cxnChg>
+        <pc:cxnChg chg="add del">
+          <ac:chgData name="Gabriel Casagrande" userId="e7a325a1baaa42ba" providerId="Windows Live" clId="Web-{1BD7AB38-D04B-4A80-8062-01A89D1E6CB4}" dt="2020-10-14T22:50:40.102" v="1"/>
+          <ac:cxnSpMkLst>
+            <pc:docMk/>
+            <pc:sldMk cId="2210866551" sldId="256"/>
+            <ac:cxnSpMk id="21" creationId="{D307C4A5-BACA-4411-8A3D-DEFDC278C32A}"/>
+          </ac:cxnSpMkLst>
+        </pc:cxnChg>
+        <pc:cxnChg chg="add del">
+          <ac:chgData name="Gabriel Casagrande" userId="e7a325a1baaa42ba" providerId="Windows Live" clId="Web-{1BD7AB38-D04B-4A80-8062-01A89D1E6CB4}" dt="2020-10-14T22:50:40.102" v="1"/>
+          <ac:cxnSpMkLst>
+            <pc:docMk/>
+            <pc:sldMk cId="2210866551" sldId="256"/>
+            <ac:cxnSpMk id="23" creationId="{13804140-19C5-4DA8-92CE-430597C997B8}"/>
+          </ac:cxnSpMkLst>
+        </pc:cxnChg>
+        <pc:cxnChg chg="add del">
+          <ac:chgData name="Gabriel Casagrande" userId="e7a325a1baaa42ba" providerId="Windows Live" clId="Web-{1BD7AB38-D04B-4A80-8062-01A89D1E6CB4}" dt="2020-10-14T22:50:40.102" v="1"/>
+          <ac:cxnSpMkLst>
+            <pc:docMk/>
+            <pc:sldMk cId="2210866551" sldId="256"/>
+            <ac:cxnSpMk id="25" creationId="{46B58B88-1D67-42A4-9122-96CF9D2CB243}"/>
+          </ac:cxnSpMkLst>
+        </pc:cxnChg>
+        <pc:cxnChg chg="add del">
+          <ac:chgData name="Gabriel Casagrande" userId="e7a325a1baaa42ba" providerId="Windows Live" clId="Web-{1BD7AB38-D04B-4A80-8062-01A89D1E6CB4}" dt="2020-10-14T22:50:40.102" v="1"/>
+          <ac:cxnSpMkLst>
+            <pc:docMk/>
+            <pc:sldMk cId="2210866551" sldId="256"/>
+            <ac:cxnSpMk id="26" creationId="{060352AE-34E2-459C-B164-7633CCCE8711}"/>
+          </ac:cxnSpMkLst>
+        </pc:cxnChg>
+        <pc:cxnChg chg="add del">
+          <ac:chgData name="Gabriel Casagrande" userId="e7a325a1baaa42ba" providerId="Windows Live" clId="Web-{1BD7AB38-D04B-4A80-8062-01A89D1E6CB4}" dt="2020-10-14T22:50:40.102" v="1"/>
+          <ac:cxnSpMkLst>
+            <pc:docMk/>
+            <pc:sldMk cId="2210866551" sldId="256"/>
+            <ac:cxnSpMk id="27" creationId="{C18A4256-3544-42A3-9E05-F841CF3984AD}"/>
+          </ac:cxnSpMkLst>
+        </pc:cxnChg>
+        <pc:cxnChg chg="add del">
+          <ac:chgData name="Gabriel Casagrande" userId="e7a325a1baaa42ba" providerId="Windows Live" clId="Web-{1BD7AB38-D04B-4A80-8062-01A89D1E6CB4}" dt="2020-10-14T22:50:40.102" v="1"/>
+          <ac:cxnSpMkLst>
+            <pc:docMk/>
+            <pc:sldMk cId="2210866551" sldId="256"/>
+            <ac:cxnSpMk id="28" creationId="{04CAD924-4CA9-4DF1-94F5-DBF9F00A27F9}"/>
+          </ac:cxnSpMkLst>
+        </pc:cxnChg>
+        <pc:cxnChg chg="add del mod">
+          <ac:chgData name="Gabriel Casagrande" userId="e7a325a1baaa42ba" providerId="Windows Live" clId="Web-{1BD7AB38-D04B-4A80-8062-01A89D1E6CB4}" dt="2020-10-14T22:50:40.102" v="1"/>
+          <ac:cxnSpMkLst>
+            <pc:docMk/>
+            <pc:sldMk cId="2210866551" sldId="256"/>
+            <ac:cxnSpMk id="30" creationId="{68A31380-D6DA-4F64-B500-50539EA9A98B}"/>
+          </ac:cxnSpMkLst>
+        </pc:cxnChg>
+        <pc:cxnChg chg="add del">
+          <ac:chgData name="Gabriel Casagrande" userId="e7a325a1baaa42ba" providerId="Windows Live" clId="Web-{1BD7AB38-D04B-4A80-8062-01A89D1E6CB4}" dt="2020-10-14T22:50:40.102" v="1"/>
+          <ac:cxnSpMkLst>
+            <pc:docMk/>
+            <pc:sldMk cId="2210866551" sldId="256"/>
+            <ac:cxnSpMk id="31" creationId="{9D5AFFA0-18AF-41CD-80A4-1A761E991E52}"/>
+          </ac:cxnSpMkLst>
+        </pc:cxnChg>
+        <pc:cxnChg chg="add del">
+          <ac:chgData name="Gabriel Casagrande" userId="e7a325a1baaa42ba" providerId="Windows Live" clId="Web-{1BD7AB38-D04B-4A80-8062-01A89D1E6CB4}" dt="2020-10-14T22:51:09.368" v="30"/>
+          <ac:cxnSpMkLst>
+            <pc:docMk/>
+            <pc:sldMk cId="2210866551" sldId="256"/>
+            <ac:cxnSpMk id="34" creationId="{C069CE39-B8FE-4B22-81D6-81D1211DF7EA}"/>
+          </ac:cxnSpMkLst>
+        </pc:cxnChg>
+        <pc:cxnChg chg="add del">
+          <ac:chgData name="Gabriel Casagrande" userId="e7a325a1baaa42ba" providerId="Windows Live" clId="Web-{1BD7AB38-D04B-4A80-8062-01A89D1E6CB4}" dt="2020-10-14T22:51:09.368" v="29"/>
+          <ac:cxnSpMkLst>
+            <pc:docMk/>
+            <pc:sldMk cId="2210866551" sldId="256"/>
+            <ac:cxnSpMk id="35" creationId="{C6BA7C1F-C5AF-4466-803E-62EF6C05B257}"/>
+          </ac:cxnSpMkLst>
+        </pc:cxnChg>
+        <pc:cxnChg chg="add del">
+          <ac:chgData name="Gabriel Casagrande" userId="e7a325a1baaa42ba" providerId="Windows Live" clId="Web-{1BD7AB38-D04B-4A80-8062-01A89D1E6CB4}" dt="2020-10-14T22:51:09.368" v="28"/>
+          <ac:cxnSpMkLst>
+            <pc:docMk/>
+            <pc:sldMk cId="2210866551" sldId="256"/>
+            <ac:cxnSpMk id="36" creationId="{11334B00-C1E2-486C-95FC-ADBA762617F7}"/>
+          </ac:cxnSpMkLst>
+        </pc:cxnChg>
+        <pc:cxnChg chg="add del">
+          <ac:chgData name="Gabriel Casagrande" userId="e7a325a1baaa42ba" providerId="Windows Live" clId="Web-{1BD7AB38-D04B-4A80-8062-01A89D1E6CB4}" dt="2020-10-14T22:51:09.368" v="27"/>
+          <ac:cxnSpMkLst>
+            <pc:docMk/>
+            <pc:sldMk cId="2210866551" sldId="256"/>
+            <ac:cxnSpMk id="37" creationId="{D9C59FD9-0A85-4A51-BCA9-AEC05552B497}"/>
+          </ac:cxnSpMkLst>
+        </pc:cxnChg>
+        <pc:cxnChg chg="add del">
+          <ac:chgData name="Gabriel Casagrande" userId="e7a325a1baaa42ba" providerId="Windows Live" clId="Web-{1BD7AB38-D04B-4A80-8062-01A89D1E6CB4}" dt="2020-10-14T22:51:09.368" v="26"/>
+          <ac:cxnSpMkLst>
+            <pc:docMk/>
+            <pc:sldMk cId="2210866551" sldId="256"/>
+            <ac:cxnSpMk id="38" creationId="{E2981637-E283-4144-B695-74BA94790CA1}"/>
+          </ac:cxnSpMkLst>
+        </pc:cxnChg>
+        <pc:cxnChg chg="add del">
+          <ac:chgData name="Gabriel Casagrande" userId="e7a325a1baaa42ba" providerId="Windows Live" clId="Web-{1BD7AB38-D04B-4A80-8062-01A89D1E6CB4}" dt="2020-10-14T22:51:09.368" v="25"/>
+          <ac:cxnSpMkLst>
+            <pc:docMk/>
+            <pc:sldMk cId="2210866551" sldId="256"/>
+            <ac:cxnSpMk id="39" creationId="{45851E28-F88B-44B5-83B1-77CC0D79F5E2}"/>
+          </ac:cxnSpMkLst>
+        </pc:cxnChg>
+        <pc:cxnChg chg="add del">
+          <ac:chgData name="Gabriel Casagrande" userId="e7a325a1baaa42ba" providerId="Windows Live" clId="Web-{1BD7AB38-D04B-4A80-8062-01A89D1E6CB4}" dt="2020-10-14T22:51:09.368" v="24"/>
+          <ac:cxnSpMkLst>
+            <pc:docMk/>
+            <pc:sldMk cId="2210866551" sldId="256"/>
+            <ac:cxnSpMk id="40" creationId="{82CF7556-0EF3-4686-98B7-65FC9BD54453}"/>
+          </ac:cxnSpMkLst>
+        </pc:cxnChg>
+        <pc:cxnChg chg="add del">
+          <ac:chgData name="Gabriel Casagrande" userId="e7a325a1baaa42ba" providerId="Windows Live" clId="Web-{1BD7AB38-D04B-4A80-8062-01A89D1E6CB4}" dt="2020-10-14T22:51:09.368" v="23"/>
+          <ac:cxnSpMkLst>
+            <pc:docMk/>
+            <pc:sldMk cId="2210866551" sldId="256"/>
+            <ac:cxnSpMk id="41" creationId="{7AE2999D-E17D-4100-B970-3C40300DE09E}"/>
+          </ac:cxnSpMkLst>
+        </pc:cxnChg>
+        <pc:cxnChg chg="add del">
+          <ac:chgData name="Gabriel Casagrande" userId="e7a325a1baaa42ba" providerId="Windows Live" clId="Web-{1BD7AB38-D04B-4A80-8062-01A89D1E6CB4}" dt="2020-10-14T22:51:09.368" v="20"/>
+          <ac:cxnSpMkLst>
+            <pc:docMk/>
+            <pc:sldMk cId="2210866551" sldId="256"/>
+            <ac:cxnSpMk id="44" creationId="{C9F24C1E-594F-4740-9D64-6F1AA8905A84}"/>
+          </ac:cxnSpMkLst>
+        </pc:cxnChg>
+        <pc:cxnChg chg="add del">
+          <ac:chgData name="Gabriel Casagrande" userId="e7a325a1baaa42ba" providerId="Windows Live" clId="Web-{1BD7AB38-D04B-4A80-8062-01A89D1E6CB4}" dt="2020-10-14T22:51:09.368" v="18"/>
+          <ac:cxnSpMkLst>
+            <pc:docMk/>
+            <pc:sldMk cId="2210866551" sldId="256"/>
+            <ac:cxnSpMk id="46" creationId="{5AE3E9F9-D4FE-4710-89A6-ED648D8A4053}"/>
+          </ac:cxnSpMkLst>
+        </pc:cxnChg>
+        <pc:cxnChg chg="add del">
+          <ac:chgData name="Gabriel Casagrande" userId="e7a325a1baaa42ba" providerId="Windows Live" clId="Web-{1BD7AB38-D04B-4A80-8062-01A89D1E6CB4}" dt="2020-10-14T22:51:09.368" v="15"/>
+          <ac:cxnSpMkLst>
+            <pc:docMk/>
+            <pc:sldMk cId="2210866551" sldId="256"/>
+            <ac:cxnSpMk id="49" creationId="{FA97D7E2-7B18-4172-A200-0C5313D6DAD3}"/>
+          </ac:cxnSpMkLst>
+        </pc:cxnChg>
+        <pc:cxnChg chg="add del">
+          <ac:chgData name="Gabriel Casagrande" userId="e7a325a1baaa42ba" providerId="Windows Live" clId="Web-{1BD7AB38-D04B-4A80-8062-01A89D1E6CB4}" dt="2020-10-14T22:51:09.352" v="13"/>
+          <ac:cxnSpMkLst>
+            <pc:docMk/>
+            <pc:sldMk cId="2210866551" sldId="256"/>
+            <ac:cxnSpMk id="51" creationId="{D307C4A5-BACA-4411-8A3D-DEFDC278C32A}"/>
+          </ac:cxnSpMkLst>
+        </pc:cxnChg>
+        <pc:cxnChg chg="add del">
+          <ac:chgData name="Gabriel Casagrande" userId="e7a325a1baaa42ba" providerId="Windows Live" clId="Web-{1BD7AB38-D04B-4A80-8062-01A89D1E6CB4}" dt="2020-10-14T22:51:09.352" v="11"/>
+          <ac:cxnSpMkLst>
+            <pc:docMk/>
+            <pc:sldMk cId="2210866551" sldId="256"/>
+            <ac:cxnSpMk id="53" creationId="{13804140-19C5-4DA8-92CE-430597C997B8}"/>
+          </ac:cxnSpMkLst>
+        </pc:cxnChg>
+        <pc:cxnChg chg="add del">
+          <ac:chgData name="Gabriel Casagrande" userId="e7a325a1baaa42ba" providerId="Windows Live" clId="Web-{1BD7AB38-D04B-4A80-8062-01A89D1E6CB4}" dt="2020-10-14T22:51:09.352" v="9"/>
+          <ac:cxnSpMkLst>
+            <pc:docMk/>
+            <pc:sldMk cId="2210866551" sldId="256"/>
+            <ac:cxnSpMk id="55" creationId="{46B58B88-1D67-42A4-9122-96CF9D2CB243}"/>
+          </ac:cxnSpMkLst>
+        </pc:cxnChg>
+        <pc:cxnChg chg="add del">
+          <ac:chgData name="Gabriel Casagrande" userId="e7a325a1baaa42ba" providerId="Windows Live" clId="Web-{1BD7AB38-D04B-4A80-8062-01A89D1E6CB4}" dt="2020-10-14T22:51:09.352" v="8"/>
+          <ac:cxnSpMkLst>
+            <pc:docMk/>
+            <pc:sldMk cId="2210866551" sldId="256"/>
+            <ac:cxnSpMk id="56" creationId="{060352AE-34E2-459C-B164-7633CCCE8711}"/>
+          </ac:cxnSpMkLst>
+        </pc:cxnChg>
+        <pc:cxnChg chg="add del">
+          <ac:chgData name="Gabriel Casagrande" userId="e7a325a1baaa42ba" providerId="Windows Live" clId="Web-{1BD7AB38-D04B-4A80-8062-01A89D1E6CB4}" dt="2020-10-14T22:51:09.352" v="7"/>
+          <ac:cxnSpMkLst>
+            <pc:docMk/>
+            <pc:sldMk cId="2210866551" sldId="256"/>
+            <ac:cxnSpMk id="57" creationId="{C18A4256-3544-42A3-9E05-F841CF3984AD}"/>
+          </ac:cxnSpMkLst>
+        </pc:cxnChg>
+        <pc:cxnChg chg="add del">
+          <ac:chgData name="Gabriel Casagrande" userId="e7a325a1baaa42ba" providerId="Windows Live" clId="Web-{1BD7AB38-D04B-4A80-8062-01A89D1E6CB4}" dt="2020-10-14T22:51:09.352" v="6"/>
+          <ac:cxnSpMkLst>
+            <pc:docMk/>
+            <pc:sldMk cId="2210866551" sldId="256"/>
+            <ac:cxnSpMk id="58" creationId="{04CAD924-4CA9-4DF1-94F5-DBF9F00A27F9}"/>
+          </ac:cxnSpMkLst>
+        </pc:cxnChg>
+        <pc:cxnChg chg="add del mod">
+          <ac:chgData name="Gabriel Casagrande" userId="e7a325a1baaa42ba" providerId="Windows Live" clId="Web-{1BD7AB38-D04B-4A80-8062-01A89D1E6CB4}" dt="2020-10-14T22:51:09.352" v="4"/>
+          <ac:cxnSpMkLst>
+            <pc:docMk/>
+            <pc:sldMk cId="2210866551" sldId="256"/>
+            <ac:cxnSpMk id="60" creationId="{68A31380-D6DA-4F64-B500-50539EA9A98B}"/>
+          </ac:cxnSpMkLst>
+        </pc:cxnChg>
+        <pc:cxnChg chg="add del">
+          <ac:chgData name="Gabriel Casagrande" userId="e7a325a1baaa42ba" providerId="Windows Live" clId="Web-{1BD7AB38-D04B-4A80-8062-01A89D1E6CB4}" dt="2020-10-14T22:51:09.352" v="3"/>
+          <ac:cxnSpMkLst>
+            <pc:docMk/>
+            <pc:sldMk cId="2210866551" sldId="256"/>
+            <ac:cxnSpMk id="61" creationId="{9D5AFFA0-18AF-41CD-80A4-1A761E991E52}"/>
+          </ac:cxnSpMkLst>
+        </pc:cxnChg>
+        <pc:cxnChg chg="add">
+          <ac:chgData name="Gabriel Casagrande" userId="e7a325a1baaa42ba" providerId="Windows Live" clId="Web-{1BD7AB38-D04B-4A80-8062-01A89D1E6CB4}" dt="2020-10-14T22:51:10.477" v="33"/>
+          <ac:cxnSpMkLst>
+            <pc:docMk/>
+            <pc:sldMk cId="2210866551" sldId="256"/>
+            <ac:cxnSpMk id="64" creationId="{6CB17B91-71C9-4C77-8288-2045271D221D}"/>
+          </ac:cxnSpMkLst>
+        </pc:cxnChg>
+        <pc:cxnChg chg="add">
+          <ac:chgData name="Gabriel Casagrande" userId="e7a325a1baaa42ba" providerId="Windows Live" clId="Web-{1BD7AB38-D04B-4A80-8062-01A89D1E6CB4}" dt="2020-10-14T22:51:10.477" v="33"/>
+          <ac:cxnSpMkLst>
+            <pc:docMk/>
+            <pc:sldMk cId="2210866551" sldId="256"/>
+            <ac:cxnSpMk id="65" creationId="{9BAF8EC6-A3C5-4BF4-B350-869C08C88053}"/>
+          </ac:cxnSpMkLst>
+        </pc:cxnChg>
+        <pc:cxnChg chg="add">
+          <ac:chgData name="Gabriel Casagrande" userId="e7a325a1baaa42ba" providerId="Windows Live" clId="Web-{1BD7AB38-D04B-4A80-8062-01A89D1E6CB4}" dt="2020-10-14T22:51:10.477" v="33"/>
+          <ac:cxnSpMkLst>
+            <pc:docMk/>
+            <pc:sldMk cId="2210866551" sldId="256"/>
+            <ac:cxnSpMk id="66" creationId="{A7539E24-7BC8-468D-B29A-2ED30907F45B}"/>
+          </ac:cxnSpMkLst>
+        </pc:cxnChg>
+        <pc:cxnChg chg="add">
+          <ac:chgData name="Gabriel Casagrande" userId="e7a325a1baaa42ba" providerId="Windows Live" clId="Web-{1BD7AB38-D04B-4A80-8062-01A89D1E6CB4}" dt="2020-10-14T22:51:10.477" v="33"/>
+          <ac:cxnSpMkLst>
+            <pc:docMk/>
+            <pc:sldMk cId="2210866551" sldId="256"/>
+            <ac:cxnSpMk id="67" creationId="{5C4D3BC0-1A8B-42F8-9489-B68F884ADAFC}"/>
+          </ac:cxnSpMkLst>
+        </pc:cxnChg>
+        <pc:cxnChg chg="add">
+          <ac:chgData name="Gabriel Casagrande" userId="e7a325a1baaa42ba" providerId="Windows Live" clId="Web-{1BD7AB38-D04B-4A80-8062-01A89D1E6CB4}" dt="2020-10-14T22:51:10.477" v="33"/>
+          <ac:cxnSpMkLst>
+            <pc:docMk/>
+            <pc:sldMk cId="2210866551" sldId="256"/>
+            <ac:cxnSpMk id="68" creationId="{19D47D56-7958-4EAB-8C01-450BA8428E16}"/>
+          </ac:cxnSpMkLst>
+        </pc:cxnChg>
+        <pc:cxnChg chg="add">
+          <ac:chgData name="Gabriel Casagrande" userId="e7a325a1baaa42ba" providerId="Windows Live" clId="Web-{1BD7AB38-D04B-4A80-8062-01A89D1E6CB4}" dt="2020-10-14T22:51:10.477" v="33"/>
+          <ac:cxnSpMkLst>
+            <pc:docMk/>
+            <pc:sldMk cId="2210866551" sldId="256"/>
+            <ac:cxnSpMk id="69" creationId="{3404759C-72C2-4852-96D5-B097D297A1DC}"/>
+          </ac:cxnSpMkLst>
+        </pc:cxnChg>
+        <pc:cxnChg chg="add">
+          <ac:chgData name="Gabriel Casagrande" userId="e7a325a1baaa42ba" providerId="Windows Live" clId="Web-{1BD7AB38-D04B-4A80-8062-01A89D1E6CB4}" dt="2020-10-14T22:51:10.477" v="33"/>
+          <ac:cxnSpMkLst>
+            <pc:docMk/>
+            <pc:sldMk cId="2210866551" sldId="256"/>
+            <ac:cxnSpMk id="70" creationId="{977FE9CF-97E0-4527-B6D9-176198A7416C}"/>
+          </ac:cxnSpMkLst>
+        </pc:cxnChg>
+        <pc:cxnChg chg="add">
+          <ac:chgData name="Gabriel Casagrande" userId="e7a325a1baaa42ba" providerId="Windows Live" clId="Web-{1BD7AB38-D04B-4A80-8062-01A89D1E6CB4}" dt="2020-10-14T22:51:10.477" v="33"/>
+          <ac:cxnSpMkLst>
+            <pc:docMk/>
+            <pc:sldMk cId="2210866551" sldId="256"/>
+            <ac:cxnSpMk id="71" creationId="{23C80C46-5CC8-4383-95F4-BFD062BB9EB8}"/>
+          </ac:cxnSpMkLst>
+        </pc:cxnChg>
+        <pc:cxnChg chg="add">
+          <ac:chgData name="Gabriel Casagrande" userId="e7a325a1baaa42ba" providerId="Windows Live" clId="Web-{1BD7AB38-D04B-4A80-8062-01A89D1E6CB4}" dt="2020-10-14T22:51:10.477" v="33"/>
+          <ac:cxnSpMkLst>
+            <pc:docMk/>
+            <pc:sldMk cId="2210866551" sldId="256"/>
+            <ac:cxnSpMk id="72" creationId="{AEBF8295-3CF1-4AD7-AF88-6229E7DF5100}"/>
+          </ac:cxnSpMkLst>
+        </pc:cxnChg>
+        <pc:cxnChg chg="add">
+          <ac:chgData name="Gabriel Casagrande" userId="e7a325a1baaa42ba" providerId="Windows Live" clId="Web-{1BD7AB38-D04B-4A80-8062-01A89D1E6CB4}" dt="2020-10-14T22:51:10.477" v="33"/>
+          <ac:cxnSpMkLst>
+            <pc:docMk/>
+            <pc:sldMk cId="2210866551" sldId="256"/>
+            <ac:cxnSpMk id="73" creationId="{E434DF48-DB98-4305-B6A6-4BF7F10E3F0D}"/>
+          </ac:cxnSpMkLst>
+        </pc:cxnChg>
+        <pc:cxnChg chg="add">
+          <ac:chgData name="Gabriel Casagrande" userId="e7a325a1baaa42ba" providerId="Windows Live" clId="Web-{1BD7AB38-D04B-4A80-8062-01A89D1E6CB4}" dt="2020-10-14T22:51:10.477" v="33"/>
+          <ac:cxnSpMkLst>
+            <pc:docMk/>
+            <pc:sldMk cId="2210866551" sldId="256"/>
+            <ac:cxnSpMk id="76" creationId="{D21C8545-1834-44D6-85A8-176E5D0CDFAA}"/>
+          </ac:cxnSpMkLst>
+        </pc:cxnChg>
+        <pc:cxnChg chg="add">
+          <ac:chgData name="Gabriel Casagrande" userId="e7a325a1baaa42ba" providerId="Windows Live" clId="Web-{1BD7AB38-D04B-4A80-8062-01A89D1E6CB4}" dt="2020-10-14T22:51:10.477" v="33"/>
+          <ac:cxnSpMkLst>
+            <pc:docMk/>
+            <pc:sldMk cId="2210866551" sldId="256"/>
+            <ac:cxnSpMk id="78" creationId="{45DF9079-3E54-4DF6-BD7B-823221F2A78A}"/>
+          </ac:cxnSpMkLst>
+        </pc:cxnChg>
+        <pc:cxnChg chg="add">
+          <ac:chgData name="Gabriel Casagrande" userId="e7a325a1baaa42ba" providerId="Windows Live" clId="Web-{1BD7AB38-D04B-4A80-8062-01A89D1E6CB4}" dt="2020-10-14T22:51:10.477" v="33"/>
+          <ac:cxnSpMkLst>
+            <pc:docMk/>
+            <pc:sldMk cId="2210866551" sldId="256"/>
+            <ac:cxnSpMk id="81" creationId="{FB6EAD12-739D-4802-9449-1EBD41CF9A9B}"/>
+          </ac:cxnSpMkLst>
+        </pc:cxnChg>
+        <pc:cxnChg chg="add">
+          <ac:chgData name="Gabriel Casagrande" userId="e7a325a1baaa42ba" providerId="Windows Live" clId="Web-{1BD7AB38-D04B-4A80-8062-01A89D1E6CB4}" dt="2020-10-14T22:51:10.477" v="33"/>
+          <ac:cxnSpMkLst>
+            <pc:docMk/>
+            <pc:sldMk cId="2210866551" sldId="256"/>
+            <ac:cxnSpMk id="83" creationId="{D7C4AF53-752E-4BEE-8525-D85407BE70CB}"/>
+          </ac:cxnSpMkLst>
+        </pc:cxnChg>
+        <pc:cxnChg chg="add">
+          <ac:chgData name="Gabriel Casagrande" userId="e7a325a1baaa42ba" providerId="Windows Live" clId="Web-{1BD7AB38-D04B-4A80-8062-01A89D1E6CB4}" dt="2020-10-14T22:51:10.477" v="33"/>
+          <ac:cxnSpMkLst>
+            <pc:docMk/>
+            <pc:sldMk cId="2210866551" sldId="256"/>
+            <ac:cxnSpMk id="85" creationId="{FDE2F12F-14D3-4759-A05C-B14121EC14AC}"/>
+          </ac:cxnSpMkLst>
+        </pc:cxnChg>
+        <pc:cxnChg chg="add">
+          <ac:chgData name="Gabriel Casagrande" userId="e7a325a1baaa42ba" providerId="Windows Live" clId="Web-{1BD7AB38-D04B-4A80-8062-01A89D1E6CB4}" dt="2020-10-14T22:51:10.477" v="33"/>
+          <ac:cxnSpMkLst>
+            <pc:docMk/>
+            <pc:sldMk cId="2210866551" sldId="256"/>
+            <ac:cxnSpMk id="87" creationId="{E249DF8B-408F-4D4A-9BBC-6C625347BBD5}"/>
+          </ac:cxnSpMkLst>
+        </pc:cxnChg>
+        <pc:cxnChg chg="add">
+          <ac:chgData name="Gabriel Casagrande" userId="e7a325a1baaa42ba" providerId="Windows Live" clId="Web-{1BD7AB38-D04B-4A80-8062-01A89D1E6CB4}" dt="2020-10-14T22:51:10.477" v="33"/>
+          <ac:cxnSpMkLst>
+            <pc:docMk/>
+            <pc:sldMk cId="2210866551" sldId="256"/>
+            <ac:cxnSpMk id="88" creationId="{BA0B40B1-4603-4441-80D2-719DA2306A85}"/>
+          </ac:cxnSpMkLst>
+        </pc:cxnChg>
+        <pc:cxnChg chg="add">
+          <ac:chgData name="Gabriel Casagrande" userId="e7a325a1baaa42ba" providerId="Windows Live" clId="Web-{1BD7AB38-D04B-4A80-8062-01A89D1E6CB4}" dt="2020-10-14T22:51:10.477" v="33"/>
+          <ac:cxnSpMkLst>
+            <pc:docMk/>
+            <pc:sldMk cId="2210866551" sldId="256"/>
+            <ac:cxnSpMk id="89" creationId="{65AAF955-ED6E-4052-A9B7-58B92D80C048}"/>
+          </ac:cxnSpMkLst>
+        </pc:cxnChg>
+        <pc:cxnChg chg="add">
+          <ac:chgData name="Gabriel Casagrande" userId="e7a325a1baaa42ba" providerId="Windows Live" clId="Web-{1BD7AB38-D04B-4A80-8062-01A89D1E6CB4}" dt="2020-10-14T22:51:10.477" v="33"/>
+          <ac:cxnSpMkLst>
+            <pc:docMk/>
+            <pc:sldMk cId="2210866551" sldId="256"/>
+            <ac:cxnSpMk id="91" creationId="{F39D81C7-5692-4125-80C0-C12E80BAD804}"/>
+          </ac:cxnSpMkLst>
+        </pc:cxnChg>
+        <pc:cxnChg chg="add">
+          <ac:chgData name="Gabriel Casagrande" userId="e7a325a1baaa42ba" providerId="Windows Live" clId="Web-{1BD7AB38-D04B-4A80-8062-01A89D1E6CB4}" dt="2020-10-14T22:51:10.477" v="33"/>
+          <ac:cxnSpMkLst>
+            <pc:docMk/>
+            <pc:sldMk cId="2210866551" sldId="256"/>
+            <ac:cxnSpMk id="95" creationId="{BA3BAF20-8163-4143-A60C-3B4D82782608}"/>
+          </ac:cxnSpMkLst>
+        </pc:cxnChg>
+        <pc:cxnChg chg="add">
+          <ac:chgData name="Gabriel Casagrande" userId="e7a325a1baaa42ba" providerId="Windows Live" clId="Web-{1BD7AB38-D04B-4A80-8062-01A89D1E6CB4}" dt="2020-10-14T22:51:10.477" v="33"/>
+          <ac:cxnSpMkLst>
+            <pc:docMk/>
+            <pc:sldMk cId="2210866551" sldId="256"/>
+            <ac:cxnSpMk id="96" creationId="{FB53E776-B3C3-495C-AB97-5A3D70784F1B}"/>
+          </ac:cxnSpMkLst>
+        </pc:cxnChg>
+      </pc:sldChg>
+    </pc:docChg>
+  </pc:docChgLst>
+  <pc:docChgLst>
+    <pc:chgData name="Eduardo Marques" userId="b9dd18581288d1e4" providerId="Windows Live" clId="Web-{563CE5BB-1BF4-4151-B263-DD551E366814}"/>
+    <pc:docChg chg="modSld">
+      <pc:chgData name="Eduardo Marques" userId="b9dd18581288d1e4" providerId="Windows Live" clId="Web-{563CE5BB-1BF4-4151-B263-DD551E366814}" dt="2020-10-17T04:18:37.314" v="10" actId="14100"/>
+      <pc:docMkLst>
+        <pc:docMk/>
+      </pc:docMkLst>
+      <pc:sldChg chg="addSp delSp modSp">
+        <pc:chgData name="Eduardo Marques" userId="b9dd18581288d1e4" providerId="Windows Live" clId="Web-{563CE5BB-1BF4-4151-B263-DD551E366814}" dt="2020-10-17T04:18:37.314" v="10" actId="14100"/>
+        <pc:sldMkLst>
+          <pc:docMk/>
+          <pc:sldMk cId="1126375434" sldId="257"/>
+        </pc:sldMkLst>
+        <pc:picChg chg="add mod">
+          <ac:chgData name="Eduardo Marques" userId="b9dd18581288d1e4" providerId="Windows Live" clId="Web-{563CE5BB-1BF4-4151-B263-DD551E366814}" dt="2020-10-17T04:18:37.314" v="10" actId="14100"/>
+          <ac:picMkLst>
+            <pc:docMk/>
+            <pc:sldMk cId="1126375434" sldId="257"/>
+            <ac:picMk id="2" creationId="{20F07FF3-D3EB-48A3-84DC-194E598FD213}"/>
+          </ac:picMkLst>
+        </pc:picChg>
+        <pc:picChg chg="del">
+          <ac:chgData name="Eduardo Marques" userId="b9dd18581288d1e4" providerId="Windows Live" clId="Web-{563CE5BB-1BF4-4151-B263-DD551E366814}" dt="2020-10-17T04:18:04.093" v="0"/>
+          <ac:picMkLst>
+            <pc:docMk/>
+            <pc:sldMk cId="1126375434" sldId="257"/>
+            <ac:picMk id="9" creationId="{60801C57-41E6-4957-9CEE-3CBB2F10BD0C}"/>
+          </ac:picMkLst>
+        </pc:picChg>
+      </pc:sldChg>
+    </pc:docChg>
+  </pc:docChgLst>
+  <pc:docChgLst>
+    <pc:chgData name="Edilene Marques" userId="ad8df458748d149b" providerId="Windows Live" clId="Web-{74BE9D4A-FAF7-4CCF-B0E9-9B9307A58EE0}"/>
+    <pc:docChg chg="modSld">
+      <pc:chgData name="Edilene Marques" userId="ad8df458748d149b" providerId="Windows Live" clId="Web-{74BE9D4A-FAF7-4CCF-B0E9-9B9307A58EE0}" dt="2020-10-15T01:21:38.574" v="26" actId="20577"/>
+      <pc:docMkLst>
+        <pc:docMk/>
+      </pc:docMkLst>
+      <pc:sldChg chg="modSp">
+        <pc:chgData name="Edilene Marques" userId="ad8df458748d149b" providerId="Windows Live" clId="Web-{74BE9D4A-FAF7-4CCF-B0E9-9B9307A58EE0}" dt="2020-10-15T01:21:34.340" v="24" actId="20577"/>
+        <pc:sldMkLst>
+          <pc:docMk/>
+          <pc:sldMk cId="2210866551" sldId="256"/>
+        </pc:sldMkLst>
+        <pc:spChg chg="mod">
+          <ac:chgData name="Edilene Marques" userId="ad8df458748d149b" providerId="Windows Live" clId="Web-{74BE9D4A-FAF7-4CCF-B0E9-9B9307A58EE0}" dt="2020-10-15T01:21:34.340" v="24" actId="20577"/>
+          <ac:spMkLst>
+            <pc:docMk/>
+            <pc:sldMk cId="2210866551" sldId="256"/>
+            <ac:spMk id="84" creationId="{EC389C23-43C6-41B4-971E-321A55F2CE4D}"/>
+          </ac:spMkLst>
+        </pc:spChg>
+        <pc:spChg chg="mod">
+          <ac:chgData name="Edilene Marques" userId="ad8df458748d149b" providerId="Windows Live" clId="Web-{74BE9D4A-FAF7-4CCF-B0E9-9B9307A58EE0}" dt="2020-10-15T00:34:09.518" v="0" actId="1076"/>
+          <ac:spMkLst>
+            <pc:docMk/>
+            <pc:sldMk cId="2210866551" sldId="256"/>
+            <ac:spMk id="94" creationId="{2198883C-5A43-4782-B0E9-238B6EA605FA}"/>
+          </ac:spMkLst>
+        </pc:spChg>
+      </pc:sldChg>
+    </pc:docChg>
+  </pc:docChgLst>
+  <pc:docChgLst>
+    <pc:chgData name="Gabriel Casagrande" userId="e7a325a1baaa42ba" providerId="Windows Live" clId="Web-{56E38467-D644-4A5F-A6FE-50F189C49507}"/>
+    <pc:docChg chg="modSld">
+      <pc:chgData name="Gabriel Casagrande" userId="e7a325a1baaa42ba" providerId="Windows Live" clId="Web-{56E38467-D644-4A5F-A6FE-50F189C49507}" dt="2020-10-14T22:37:16.067" v="1"/>
+      <pc:docMkLst>
+        <pc:docMk/>
+      </pc:docMkLst>
+      <pc:sldChg chg="delSp">
+        <pc:chgData name="Gabriel Casagrande" userId="e7a325a1baaa42ba" providerId="Windows Live" clId="Web-{56E38467-D644-4A5F-A6FE-50F189C49507}" dt="2020-10-14T22:37:16.067" v="1"/>
+        <pc:sldMkLst>
+          <pc:docMk/>
+          <pc:sldMk cId="2210866551" sldId="256"/>
+        </pc:sldMkLst>
+        <pc:spChg chg="del">
+          <ac:chgData name="Gabriel Casagrande" userId="e7a325a1baaa42ba" providerId="Windows Live" clId="Web-{56E38467-D644-4A5F-A6FE-50F189C49507}" dt="2020-10-14T22:37:16.067" v="1"/>
+          <ac:spMkLst>
+            <pc:docMk/>
+            <pc:sldMk cId="2210866551" sldId="256"/>
+            <ac:spMk id="2" creationId="{00000000-0000-0000-0000-000000000000}"/>
+          </ac:spMkLst>
+        </pc:spChg>
+        <pc:spChg chg="del">
+          <ac:chgData name="Gabriel Casagrande" userId="e7a325a1baaa42ba" providerId="Windows Live" clId="Web-{56E38467-D644-4A5F-A6FE-50F189C49507}" dt="2020-10-14T22:37:15.192" v="0"/>
+          <ac:spMkLst>
+            <pc:docMk/>
+            <pc:sldMk cId="2210866551" sldId="256"/>
+            <ac:spMk id="3" creationId="{00000000-0000-0000-0000-000000000000}"/>
+          </ac:spMkLst>
+        </pc:spChg>
+      </pc:sldChg>
+    </pc:docChg>
+  </pc:docChgLst>
+  <pc:docChgLst>
+    <pc:chgData name="Eduardo Marques" userId="b9dd18581288d1e4" providerId="Windows Live" clId="Web-{CCA96DBC-AA0A-465F-AA60-F582EB5AC529}"/>
+    <pc:docChg chg="modSld">
+      <pc:chgData name="Eduardo Marques" userId="b9dd18581288d1e4" providerId="Windows Live" clId="Web-{CCA96DBC-AA0A-465F-AA60-F582EB5AC529}" dt="2020-11-07T06:04:09.977" v="55" actId="1076"/>
+      <pc:docMkLst>
+        <pc:docMk/>
+      </pc:docMkLst>
+      <pc:sldChg chg="addSp delSp modSp">
+        <pc:chgData name="Eduardo Marques" userId="b9dd18581288d1e4" providerId="Windows Live" clId="Web-{CCA96DBC-AA0A-465F-AA60-F582EB5AC529}" dt="2020-11-07T06:04:09.977" v="55" actId="1076"/>
+        <pc:sldMkLst>
+          <pc:docMk/>
+          <pc:sldMk cId="2210866551" sldId="256"/>
+        </pc:sldMkLst>
+        <pc:spChg chg="del">
+          <ac:chgData name="Eduardo Marques" userId="b9dd18581288d1e4" providerId="Windows Live" clId="Web-{CCA96DBC-AA0A-465F-AA60-F582EB5AC529}" dt="2020-11-07T06:03:34.788" v="44"/>
+          <ac:spMkLst>
+            <pc:docMk/>
+            <pc:sldMk cId="2210866551" sldId="256"/>
+            <ac:spMk id="3" creationId="{5A028EC6-07DD-453D-8406-2AC6DABF8573}"/>
+          </ac:spMkLst>
+        </pc:spChg>
+        <pc:spChg chg="add del mod">
+          <ac:chgData name="Eduardo Marques" userId="b9dd18581288d1e4" providerId="Windows Live" clId="Web-{CCA96DBC-AA0A-465F-AA60-F582EB5AC529}" dt="2020-11-07T06:03:40.882" v="49"/>
+          <ac:spMkLst>
+            <pc:docMk/>
+            <pc:sldMk cId="2210866551" sldId="256"/>
+            <ac:spMk id="4" creationId="{D63FC48F-A2B7-4BD6-80C1-CA2A3022BBBD}"/>
+          </ac:spMkLst>
+        </pc:spChg>
+        <pc:picChg chg="add mod">
+          <ac:chgData name="Eduardo Marques" userId="b9dd18581288d1e4" providerId="Windows Live" clId="Web-{CCA96DBC-AA0A-465F-AA60-F582EB5AC529}" dt="2020-11-07T06:04:09.977" v="55" actId="1076"/>
+          <ac:picMkLst>
+            <pc:docMk/>
+            <pc:sldMk cId="2210866551" sldId="256"/>
+            <ac:picMk id="2" creationId="{0DD33132-73AA-4AC5-A633-84AEC6FA746F}"/>
+          </ac:picMkLst>
+        </pc:picChg>
+        <pc:picChg chg="mod">
+          <ac:chgData name="Eduardo Marques" userId="b9dd18581288d1e4" providerId="Windows Live" clId="Web-{CCA96DBC-AA0A-465F-AA60-F582EB5AC529}" dt="2020-11-07T06:04:00.133" v="54" actId="1076"/>
+          <ac:picMkLst>
+            <pc:docMk/>
+            <pc:sldMk cId="2210866551" sldId="256"/>
+            <ac:picMk id="1030" creationId="{AC6317AD-FAEC-4643-B8D2-EA4D0288F98D}"/>
+          </ac:picMkLst>
+        </pc:picChg>
+      </pc:sldChg>
+      <pc:sldChg chg="addSp delSp modSp">
+        <pc:chgData name="Eduardo Marques" userId="b9dd18581288d1e4" providerId="Windows Live" clId="Web-{CCA96DBC-AA0A-465F-AA60-F582EB5AC529}" dt="2020-11-07T06:01:58.864" v="29" actId="14100"/>
+        <pc:sldMkLst>
+          <pc:docMk/>
+          <pc:sldMk cId="1126375434" sldId="257"/>
+        </pc:sldMkLst>
+        <pc:spChg chg="del">
+          <ac:chgData name="Eduardo Marques" userId="b9dd18581288d1e4" providerId="Windows Live" clId="Web-{CCA96DBC-AA0A-465F-AA60-F582EB5AC529}" dt="2020-11-07T06:00:39.998" v="13"/>
+          <ac:spMkLst>
+            <pc:docMk/>
+            <pc:sldMk cId="1126375434" sldId="257"/>
+            <ac:spMk id="2" creationId="{33CF7CBC-FAA5-4BFB-860C-6EE48C000521}"/>
+          </ac:spMkLst>
+        </pc:spChg>
+        <pc:spChg chg="add del mod">
+          <ac:chgData name="Eduardo Marques" userId="b9dd18581288d1e4" providerId="Windows Live" clId="Web-{CCA96DBC-AA0A-465F-AA60-F582EB5AC529}" dt="2020-11-07T06:00:48.858" v="18"/>
+          <ac:spMkLst>
+            <pc:docMk/>
+            <pc:sldMk cId="1126375434" sldId="257"/>
+            <ac:spMk id="4" creationId="{2FDB6F05-1382-4D62-A318-459C170AB440}"/>
+          </ac:spMkLst>
+        </pc:spChg>
+        <pc:picChg chg="add mod ord">
+          <ac:chgData name="Eduardo Marques" userId="b9dd18581288d1e4" providerId="Windows Live" clId="Web-{CCA96DBC-AA0A-465F-AA60-F582EB5AC529}" dt="2020-11-07T06:01:58.864" v="29" actId="14100"/>
+          <ac:picMkLst>
+            <pc:docMk/>
+            <pc:sldMk cId="1126375434" sldId="257"/>
+            <ac:picMk id="3" creationId="{942EBFAB-7F3D-4DF7-89E5-7B136B0B9890}"/>
+          </ac:picMkLst>
+        </pc:picChg>
+        <pc:picChg chg="mod ord">
+          <ac:chgData name="Eduardo Marques" userId="b9dd18581288d1e4" providerId="Windows Live" clId="Web-{CCA96DBC-AA0A-465F-AA60-F582EB5AC529}" dt="2020-11-07T06:01:53.614" v="28" actId="1076"/>
+          <ac:picMkLst>
+            <pc:docMk/>
+            <pc:sldMk cId="1126375434" sldId="257"/>
+            <ac:picMk id="2052" creationId="{877162CA-6AAA-44A4-972B-4BB818FCCD9A}"/>
+          </ac:picMkLst>
+        </pc:picChg>
+      </pc:sldChg>
+      <pc:sldChg chg="addSp delSp modSp">
+        <pc:chgData name="Eduardo Marques" userId="b9dd18581288d1e4" providerId="Windows Live" clId="Web-{CCA96DBC-AA0A-465F-AA60-F582EB5AC529}" dt="2020-11-07T06:03:12.475" v="43" actId="1076"/>
+        <pc:sldMkLst>
+          <pc:docMk/>
+          <pc:sldMk cId="4148193055" sldId="258"/>
+        </pc:sldMkLst>
+        <pc:spChg chg="add del mod">
+          <ac:chgData name="Eduardo Marques" userId="b9dd18581288d1e4" providerId="Windows Live" clId="Web-{CCA96DBC-AA0A-465F-AA60-F582EB5AC529}" dt="2020-11-07T06:02:44.084" v="39"/>
+          <ac:spMkLst>
+            <pc:docMk/>
+            <pc:sldMk cId="4148193055" sldId="258"/>
+            <ac:spMk id="3" creationId="{57927E72-C54F-4633-921B-3A9FFCAE7811}"/>
+          </ac:spMkLst>
+        </pc:spChg>
+        <pc:spChg chg="del">
+          <ac:chgData name="Eduardo Marques" userId="b9dd18581288d1e4" providerId="Windows Live" clId="Web-{CCA96DBC-AA0A-465F-AA60-F582EB5AC529}" dt="2020-11-07T06:02:23.974" v="31"/>
+          <ac:spMkLst>
+            <pc:docMk/>
+            <pc:sldMk cId="4148193055" sldId="258"/>
+            <ac:spMk id="4" creationId="{363AC058-E36D-49F6-971D-2DC0340790F6}"/>
+          </ac:spMkLst>
+        </pc:spChg>
+        <pc:picChg chg="add mod">
+          <ac:chgData name="Eduardo Marques" userId="b9dd18581288d1e4" providerId="Windows Live" clId="Web-{CCA96DBC-AA0A-465F-AA60-F582EB5AC529}" dt="2020-11-07T06:03:09.413" v="42" actId="14100"/>
+          <ac:picMkLst>
+            <pc:docMk/>
+            <pc:sldMk cId="4148193055" sldId="258"/>
+            <ac:picMk id="2" creationId="{7C2F1A99-26F8-49A9-AC1B-B1C15B6A5430}"/>
+          </ac:picMkLst>
+        </pc:picChg>
+        <pc:picChg chg="mod">
+          <ac:chgData name="Eduardo Marques" userId="b9dd18581288d1e4" providerId="Windows Live" clId="Web-{CCA96DBC-AA0A-465F-AA60-F582EB5AC529}" dt="2020-11-07T06:03:12.475" v="43" actId="1076"/>
+          <ac:picMkLst>
+            <pc:docMk/>
+            <pc:sldMk cId="4148193055" sldId="258"/>
+            <ac:picMk id="3074" creationId="{E370A028-2A80-405F-A788-E1F168BDD367}"/>
+          </ac:picMkLst>
+        </pc:picChg>
+      </pc:sldChg>
+      <pc:sldChg chg="addSp delSp modSp">
+        <pc:chgData name="Eduardo Marques" userId="b9dd18581288d1e4" providerId="Windows Live" clId="Web-{CCA96DBC-AA0A-465F-AA60-F582EB5AC529}" dt="2020-11-07T06:02:05.739" v="30" actId="14100"/>
+        <pc:sldMkLst>
+          <pc:docMk/>
+          <pc:sldMk cId="2830219906" sldId="259"/>
+        </pc:sldMkLst>
+        <pc:spChg chg="add mod">
+          <ac:chgData name="Eduardo Marques" userId="b9dd18581288d1e4" providerId="Windows Live" clId="Web-{CCA96DBC-AA0A-465F-AA60-F582EB5AC529}" dt="2020-11-07T05:59:45.821" v="7"/>
+          <ac:spMkLst>
+            <pc:docMk/>
+            <pc:sldMk cId="2830219906" sldId="259"/>
+            <ac:spMk id="3" creationId="{81163D42-96D8-4B9D-A419-5D9CB03380FA}"/>
+          </ac:spMkLst>
+        </pc:spChg>
+        <pc:spChg chg="del mod">
+          <ac:chgData name="Eduardo Marques" userId="b9dd18581288d1e4" providerId="Windows Live" clId="Web-{CCA96DBC-AA0A-465F-AA60-F582EB5AC529}" dt="2020-11-07T05:59:50.103" v="8"/>
+          <ac:spMkLst>
+            <pc:docMk/>
+            <pc:sldMk cId="2830219906" sldId="259"/>
+            <ac:spMk id="4" creationId="{1F143005-1753-48C7-9DCB-39907D8436D9}"/>
+          </ac:spMkLst>
+        </pc:spChg>
+        <pc:picChg chg="add mod ord">
+          <ac:chgData name="Eduardo Marques" userId="b9dd18581288d1e4" providerId="Windows Live" clId="Web-{CCA96DBC-AA0A-465F-AA60-F582EB5AC529}" dt="2020-11-07T06:02:05.739" v="30" actId="14100"/>
+          <ac:picMkLst>
+            <pc:docMk/>
+            <pc:sldMk cId="2830219906" sldId="259"/>
+            <ac:picMk id="2" creationId="{AE97D02A-73A7-4860-8802-B5A44AC339E3}"/>
+          </ac:picMkLst>
+        </pc:picChg>
+        <pc:picChg chg="mod">
+          <ac:chgData name="Eduardo Marques" userId="b9dd18581288d1e4" providerId="Windows Live" clId="Web-{CCA96DBC-AA0A-465F-AA60-F582EB5AC529}" dt="2020-11-07T06:00:08.275" v="11" actId="1076"/>
+          <ac:picMkLst>
+            <pc:docMk/>
+            <pc:sldMk cId="2830219906" sldId="259"/>
+            <ac:picMk id="4098" creationId="{2E67D062-913A-4541-BB3B-E7375EF3E743}"/>
+          </ac:picMkLst>
+        </pc:picChg>
+      </pc:sldChg>
+    </pc:docChg>
+  </pc:docChgLst>
+  <pc:docChgLst>
+    <pc:chgData name="Gabriel Fernandes C. dos Santos" userId="153fb557aa2a4591" providerId="LiveId" clId="{52B6F6F1-FE1E-4BC8-A7E4-679091AF343F}"/>
+    <pc:docChg chg="undo custSel addSld modSld sldOrd">
+      <pc:chgData name="Gabriel Fernandes C. dos Santos" userId="153fb557aa2a4591" providerId="LiveId" clId="{52B6F6F1-FE1E-4BC8-A7E4-679091AF343F}" dt="2020-11-07T04:54:03.703" v="396" actId="1038"/>
+      <pc:docMkLst>
+        <pc:docMk/>
+      </pc:docMkLst>
+      <pc:sldChg chg="addSp delSp modSp mod">
+        <pc:chgData name="Gabriel Fernandes C. dos Santos" userId="153fb557aa2a4591" providerId="LiveId" clId="{52B6F6F1-FE1E-4BC8-A7E4-679091AF343F}" dt="2020-11-07T04:45:04.295" v="270" actId="255"/>
+        <pc:sldMkLst>
+          <pc:docMk/>
+          <pc:sldMk cId="2210866551" sldId="256"/>
+        </pc:sldMkLst>
+        <pc:spChg chg="add mod">
+          <ac:chgData name="Gabriel Fernandes C. dos Santos" userId="153fb557aa2a4591" providerId="LiveId" clId="{52B6F6F1-FE1E-4BC8-A7E4-679091AF343F}" dt="2020-11-07T04:45:04.295" v="270" actId="255"/>
+          <ac:spMkLst>
+            <pc:docMk/>
+            <pc:sldMk cId="2210866551" sldId="256"/>
+            <ac:spMk id="3" creationId="{5A028EC6-07DD-453D-8406-2AC6DABF8573}"/>
+          </ac:spMkLst>
+        </pc:spChg>
+        <pc:picChg chg="del">
+          <ac:chgData name="Gabriel Fernandes C. dos Santos" userId="153fb557aa2a4591" providerId="LiveId" clId="{52B6F6F1-FE1E-4BC8-A7E4-679091AF343F}" dt="2020-11-07T04:32:35.928" v="0" actId="478"/>
+          <ac:picMkLst>
+            <pc:docMk/>
+            <pc:sldMk cId="2210866551" sldId="256"/>
+            <ac:picMk id="2" creationId="{E8946719-5723-4E88-A97A-6425AF024B1B}"/>
+          </ac:picMkLst>
+        </pc:picChg>
+        <pc:picChg chg="add del mod">
+          <ac:chgData name="Gabriel Fernandes C. dos Santos" userId="153fb557aa2a4591" providerId="LiveId" clId="{52B6F6F1-FE1E-4BC8-A7E4-679091AF343F}" dt="2020-11-07T04:34:36.306" v="82" actId="478"/>
+          <ac:picMkLst>
+            <pc:docMk/>
+            <pc:sldMk cId="2210866551" sldId="256"/>
+            <ac:picMk id="1026" creationId="{13AF1E9C-7684-4C63-ADAA-6548B10F22AF}"/>
+          </ac:picMkLst>
+        </pc:picChg>
+        <pc:picChg chg="add del">
+          <ac:chgData name="Gabriel Fernandes C. dos Santos" userId="153fb557aa2a4591" providerId="LiveId" clId="{52B6F6F1-FE1E-4BC8-A7E4-679091AF343F}" dt="2020-11-07T04:41:49.536" v="141" actId="478"/>
+          <ac:picMkLst>
+            <pc:docMk/>
+            <pc:sldMk cId="2210866551" sldId="256"/>
+            <ac:picMk id="1028" creationId="{E8D1E985-279C-45EE-B6C2-1F7A05FF1133}"/>
+          </ac:picMkLst>
+        </pc:picChg>
+        <pc:picChg chg="add mod">
+          <ac:chgData name="Gabriel Fernandes C. dos Santos" userId="153fb557aa2a4591" providerId="LiveId" clId="{52B6F6F1-FE1E-4BC8-A7E4-679091AF343F}" dt="2020-11-07T04:43:57.278" v="223" actId="14100"/>
+          <ac:picMkLst>
+            <pc:docMk/>
+            <pc:sldMk cId="2210866551" sldId="256"/>
+            <ac:picMk id="1030" creationId="{AC6317AD-FAEC-4643-B8D2-EA4D0288F98D}"/>
+          </ac:picMkLst>
+        </pc:picChg>
+      </pc:sldChg>
+      <pc:sldChg chg="addSp delSp modSp mod">
+        <pc:chgData name="Gabriel Fernandes C. dos Santos" userId="153fb557aa2a4591" providerId="LiveId" clId="{52B6F6F1-FE1E-4BC8-A7E4-679091AF343F}" dt="2020-11-07T04:54:03.703" v="396" actId="1038"/>
+        <pc:sldMkLst>
+          <pc:docMk/>
+          <pc:sldMk cId="1126375434" sldId="257"/>
+        </pc:sldMkLst>
+        <pc:spChg chg="add mod">
+          <ac:chgData name="Gabriel Fernandes C. dos Santos" userId="153fb557aa2a4591" providerId="LiveId" clId="{52B6F6F1-FE1E-4BC8-A7E4-679091AF343F}" dt="2020-11-07T04:49:00.248" v="335" actId="20577"/>
+          <ac:spMkLst>
+            <pc:docMk/>
+            <pc:sldMk cId="1126375434" sldId="257"/>
+            <ac:spMk id="2" creationId="{33CF7CBC-FAA5-4BFB-860C-6EE48C000521}"/>
+          </ac:spMkLst>
+        </pc:spChg>
+        <pc:picChg chg="del mod">
+          <ac:chgData name="Gabriel Fernandes C. dos Santos" userId="153fb557aa2a4591" providerId="LiveId" clId="{52B6F6F1-FE1E-4BC8-A7E4-679091AF343F}" dt="2020-11-07T04:35:17.280" v="91" actId="478"/>
+          <ac:picMkLst>
+            <pc:docMk/>
+            <pc:sldMk cId="1126375434" sldId="257"/>
+            <ac:picMk id="3" creationId="{FD951559-65CF-40AB-8A9D-E439396B4F07}"/>
+          </ac:picMkLst>
+        </pc:picChg>
+        <pc:picChg chg="add del">
+          <ac:chgData name="Gabriel Fernandes C. dos Santos" userId="153fb557aa2a4591" providerId="LiveId" clId="{52B6F6F1-FE1E-4BC8-A7E4-679091AF343F}" dt="2020-11-07T04:40:53.592" v="137" actId="478"/>
+          <ac:picMkLst>
+            <pc:docMk/>
+            <pc:sldMk cId="1126375434" sldId="257"/>
+            <ac:picMk id="2050" creationId="{D950E3C6-01C0-4232-B299-7716B46FB484}"/>
+          </ac:picMkLst>
+        </pc:picChg>
+        <pc:picChg chg="add mod">
+          <ac:chgData name="Gabriel Fernandes C. dos Santos" userId="153fb557aa2a4591" providerId="LiveId" clId="{52B6F6F1-FE1E-4BC8-A7E4-679091AF343F}" dt="2020-11-07T04:54:03.703" v="396" actId="1038"/>
+          <ac:picMkLst>
+            <pc:docMk/>
+            <pc:sldMk cId="1126375434" sldId="257"/>
+            <ac:picMk id="2052" creationId="{877162CA-6AAA-44A4-972B-4BB818FCCD9A}"/>
+          </ac:picMkLst>
+        </pc:picChg>
+      </pc:sldChg>
+      <pc:sldChg chg="addSp delSp modSp new mod">
+        <pc:chgData name="Gabriel Fernandes C. dos Santos" userId="153fb557aa2a4591" providerId="LiveId" clId="{52B6F6F1-FE1E-4BC8-A7E4-679091AF343F}" dt="2020-11-07T04:50:35.727" v="343" actId="20577"/>
+        <pc:sldMkLst>
+          <pc:docMk/>
+          <pc:sldMk cId="4148193055" sldId="258"/>
+        </pc:sldMkLst>
+        <pc:spChg chg="del">
+          <ac:chgData name="Gabriel Fernandes C. dos Santos" userId="153fb557aa2a4591" providerId="LiveId" clId="{52B6F6F1-FE1E-4BC8-A7E4-679091AF343F}" dt="2020-11-07T04:35:51.817" v="94" actId="478"/>
+          <ac:spMkLst>
+            <pc:docMk/>
+            <pc:sldMk cId="4148193055" sldId="258"/>
+            <ac:spMk id="2" creationId="{3CB4B36E-0A72-4E1F-B0A1-1CC2F7599E17}"/>
+          </ac:spMkLst>
+        </pc:spChg>
+        <pc:spChg chg="del">
+          <ac:chgData name="Gabriel Fernandes C. dos Santos" userId="153fb557aa2a4591" providerId="LiveId" clId="{52B6F6F1-FE1E-4BC8-A7E4-679091AF343F}" dt="2020-11-07T04:35:53.416" v="95" actId="478"/>
+          <ac:spMkLst>
+            <pc:docMk/>
+            <pc:sldMk cId="4148193055" sldId="258"/>
+            <ac:spMk id="3" creationId="{320A7777-0DDC-4922-8AA0-BF7D8D6C6650}"/>
+          </ac:spMkLst>
+        </pc:spChg>
+        <pc:spChg chg="add mod">
+          <ac:chgData name="Gabriel Fernandes C. dos Santos" userId="153fb557aa2a4591" providerId="LiveId" clId="{52B6F6F1-FE1E-4BC8-A7E4-679091AF343F}" dt="2020-11-07T04:50:35.727" v="343" actId="20577"/>
+          <ac:spMkLst>
+            <pc:docMk/>
+            <pc:sldMk cId="4148193055" sldId="258"/>
+            <ac:spMk id="4" creationId="{363AC058-E36D-49F6-971D-2DC0340790F6}"/>
+          </ac:spMkLst>
+        </pc:spChg>
+        <pc:picChg chg="add mod">
+          <ac:chgData name="Gabriel Fernandes C. dos Santos" userId="153fb557aa2a4591" providerId="LiveId" clId="{52B6F6F1-FE1E-4BC8-A7E4-679091AF343F}" dt="2020-11-07T04:46:45.692" v="312" actId="1037"/>
+          <ac:picMkLst>
+            <pc:docMk/>
+            <pc:sldMk cId="4148193055" sldId="258"/>
+            <ac:picMk id="3074" creationId="{E370A028-2A80-405F-A788-E1F168BDD367}"/>
+          </ac:picMkLst>
+        </pc:picChg>
+      </pc:sldChg>
+      <pc:sldChg chg="addSp delSp modSp new mod ord">
+        <pc:chgData name="Gabriel Fernandes C. dos Santos" userId="153fb557aa2a4591" providerId="LiveId" clId="{52B6F6F1-FE1E-4BC8-A7E4-679091AF343F}" dt="2020-11-07T04:51:00.672" v="377" actId="20577"/>
+        <pc:sldMkLst>
+          <pc:docMk/>
+          <pc:sldMk cId="2830219906" sldId="259"/>
+        </pc:sldMkLst>
+        <pc:spChg chg="del">
+          <ac:chgData name="Gabriel Fernandes C. dos Santos" userId="153fb557aa2a4591" providerId="LiveId" clId="{52B6F6F1-FE1E-4BC8-A7E4-679091AF343F}" dt="2020-11-07T04:39:01.592" v="133" actId="478"/>
+          <ac:spMkLst>
+            <pc:docMk/>
+            <pc:sldMk cId="2830219906" sldId="259"/>
+            <ac:spMk id="2" creationId="{CCC9F5C1-D026-4AF1-AA13-BAA0FC9D3DE4}"/>
+          </ac:spMkLst>
+        </pc:spChg>
+        <pc:spChg chg="del">
+          <ac:chgData name="Gabriel Fernandes C. dos Santos" userId="153fb557aa2a4591" providerId="LiveId" clId="{52B6F6F1-FE1E-4BC8-A7E4-679091AF343F}" dt="2020-11-07T04:39:02.880" v="134" actId="478"/>
+          <ac:spMkLst>
+            <pc:docMk/>
+            <pc:sldMk cId="2830219906" sldId="259"/>
+            <ac:spMk id="3" creationId="{EA8F2F1A-CA4C-412A-A874-5A31E464AD7B}"/>
+          </ac:spMkLst>
+        </pc:spChg>
+        <pc:spChg chg="add mod">
+          <ac:chgData name="Gabriel Fernandes C. dos Santos" userId="153fb557aa2a4591" providerId="LiveId" clId="{52B6F6F1-FE1E-4BC8-A7E4-679091AF343F}" dt="2020-11-07T04:51:00.672" v="377" actId="20577"/>
+          <ac:spMkLst>
+            <pc:docMk/>
+            <pc:sldMk cId="2830219906" sldId="259"/>
+            <ac:spMk id="4" creationId="{1F143005-1753-48C7-9DCB-39907D8436D9}"/>
+          </ac:spMkLst>
+        </pc:spChg>
+        <pc:picChg chg="add mod">
+          <ac:chgData name="Gabriel Fernandes C. dos Santos" userId="153fb557aa2a4591" providerId="LiveId" clId="{52B6F6F1-FE1E-4BC8-A7E4-679091AF343F}" dt="2020-11-07T04:39:23.493" v="136" actId="14100"/>
+          <ac:picMkLst>
+            <pc:docMk/>
+            <pc:sldMk cId="2830219906" sldId="259"/>
+            <ac:picMk id="4098" creationId="{2E67D062-913A-4541-BB3B-E7375EF3E743}"/>
+          </ac:picMkLst>
+        </pc:picChg>
+      </pc:sldChg>
+    </pc:docChg>
+  </pc:docChgLst>
   <pc:docChgLst>
     <pc:chgData name="Eduardo Marques" userId="b9dd18581288d1e4" providerId="Windows Live" clId="Web-{3083E1A2-4CF7-4AD5-9C63-6475B16DB3FB}"/>
     <pc:docChg chg="modSld addMainMaster delMainMaster">
@@ -394,6 +1606,30 @@
           </pc:sldLayoutMkLst>
         </pc:sldLayoutChg>
       </pc:sldMasterChg>
+    </pc:docChg>
+  </pc:docChgLst>
+  <pc:docChgLst>
+    <pc:chgData name="Eduardo Marques" userId="b9dd18581288d1e4" providerId="Windows Live" clId="Web-{0589B1FC-DBA7-4F3F-9EA7-3330450B0594}"/>
+    <pc:docChg chg="modSld">
+      <pc:chgData name="Eduardo Marques" userId="b9dd18581288d1e4" providerId="Windows Live" clId="Web-{0589B1FC-DBA7-4F3F-9EA7-3330450B0594}" dt="2020-11-07T06:30:37.440" v="0" actId="1076"/>
+      <pc:docMkLst>
+        <pc:docMk/>
+      </pc:docMkLst>
+      <pc:sldChg chg="modSp">
+        <pc:chgData name="Eduardo Marques" userId="b9dd18581288d1e4" providerId="Windows Live" clId="Web-{0589B1FC-DBA7-4F3F-9EA7-3330450B0594}" dt="2020-11-07T06:30:37.440" v="0" actId="1076"/>
+        <pc:sldMkLst>
+          <pc:docMk/>
+          <pc:sldMk cId="1126375434" sldId="257"/>
+        </pc:sldMkLst>
+        <pc:picChg chg="mod">
+          <ac:chgData name="Eduardo Marques" userId="b9dd18581288d1e4" providerId="Windows Live" clId="Web-{0589B1FC-DBA7-4F3F-9EA7-3330450B0594}" dt="2020-11-07T06:30:37.440" v="0" actId="1076"/>
+          <ac:picMkLst>
+            <pc:docMk/>
+            <pc:sldMk cId="1126375434" sldId="257"/>
+            <ac:picMk id="2" creationId="{47A83637-C92D-4202-8807-15F7648C06BA}"/>
+          </ac:picMkLst>
+        </pc:picChg>
+      </pc:sldChg>
     </pc:docChg>
   </pc:docChgLst>
   <pc:docChgLst>
@@ -689,30 +1925,6 @@
             <ac:cxnSpMk id="96" creationId="{FB53E776-B3C3-495C-AB97-5A3D70784F1B}"/>
           </ac:cxnSpMkLst>
         </pc:cxnChg>
-      </pc:sldChg>
-    </pc:docChg>
-  </pc:docChgLst>
-  <pc:docChgLst>
-    <pc:chgData name="Edilene Marques" userId="ad8df458748d149b" providerId="Windows Live" clId="Web-{0FCC50A4-8FD7-448E-8CFC-EB2033263CDD}"/>
-    <pc:docChg chg="modSld">
-      <pc:chgData name="Edilene Marques" userId="ad8df458748d149b" providerId="Windows Live" clId="Web-{0FCC50A4-8FD7-448E-8CFC-EB2033263CDD}" dt="2020-10-15T03:06:29.535" v="0" actId="1076"/>
-      <pc:docMkLst>
-        <pc:docMk/>
-      </pc:docMkLst>
-      <pc:sldChg chg="modSp">
-        <pc:chgData name="Edilene Marques" userId="ad8df458748d149b" providerId="Windows Live" clId="Web-{0FCC50A4-8FD7-448E-8CFC-EB2033263CDD}" dt="2020-10-15T03:06:29.535" v="0" actId="1076"/>
-        <pc:sldMkLst>
-          <pc:docMk/>
-          <pc:sldMk cId="2210866551" sldId="256"/>
-        </pc:sldMkLst>
-        <pc:spChg chg="mod">
-          <ac:chgData name="Edilene Marques" userId="ad8df458748d149b" providerId="Windows Live" clId="Web-{0FCC50A4-8FD7-448E-8CFC-EB2033263CDD}" dt="2020-10-15T03:06:29.535" v="0" actId="1076"/>
-          <ac:spMkLst>
-            <pc:docMk/>
-            <pc:sldMk cId="2210866551" sldId="256"/>
-            <ac:spMk id="74" creationId="{545B2C1E-5A5E-4AC4-AC73-7B635F4654FD}"/>
-          </ac:spMkLst>
-        </pc:spChg>
       </pc:sldChg>
     </pc:docChg>
   </pc:docChgLst>
@@ -812,808 +2024,48 @@
     </pc:docChg>
   </pc:docChgLst>
   <pc:docChgLst>
-    <pc:chgData name="Gabriel Casagrande" userId="e7a325a1baaa42ba" providerId="Windows Live" clId="Web-{1BD7AB38-D04B-4A80-8062-01A89D1E6CB4}"/>
+    <pc:chgData clId="Web-{0589B1FC-DBA7-4F3F-9EA7-3330450B0594}"/>
     <pc:docChg chg="modSld">
-      <pc:chgData name="Gabriel Casagrande" userId="e7a325a1baaa42ba" providerId="Windows Live" clId="Web-{1BD7AB38-D04B-4A80-8062-01A89D1E6CB4}" dt="2020-10-15T00:14:46.313" v="38" actId="20577"/>
+      <pc:chgData name="" userId="" providerId="" clId="Web-{0589B1FC-DBA7-4F3F-9EA7-3330450B0594}" dt="2020-11-07T06:28:40.948" v="0" actId="1076"/>
       <pc:docMkLst>
         <pc:docMk/>
       </pc:docMkLst>
-      <pc:sldChg chg="addSp delSp modSp">
-        <pc:chgData name="Gabriel Casagrande" userId="e7a325a1baaa42ba" providerId="Windows Live" clId="Web-{1BD7AB38-D04B-4A80-8062-01A89D1E6CB4}" dt="2020-10-15T00:14:46.157" v="37" actId="20577"/>
+      <pc:sldChg chg="modSp">
+        <pc:chgData name="" userId="" providerId="" clId="Web-{0589B1FC-DBA7-4F3F-9EA7-3330450B0594}" dt="2020-11-07T06:28:40.948" v="0" actId="1076"/>
         <pc:sldMkLst>
           <pc:docMk/>
           <pc:sldMk cId="2210866551" sldId="256"/>
         </pc:sldMkLst>
-        <pc:spChg chg="add del">
-          <ac:chgData name="Gabriel Casagrande" userId="e7a325a1baaa42ba" providerId="Windows Live" clId="Web-{1BD7AB38-D04B-4A80-8062-01A89D1E6CB4}" dt="2020-10-14T22:50:40.102" v="1"/>
-          <ac:spMkLst>
-            <pc:docMk/>
-            <pc:sldMk cId="2210866551" sldId="256"/>
-            <ac:spMk id="2" creationId="{3F162EC9-35F2-4591-8255-811B8B32DDE6}"/>
-          </ac:spMkLst>
-        </pc:spChg>
-        <pc:spChg chg="add del">
-          <ac:chgData name="Gabriel Casagrande" userId="e7a325a1baaa42ba" providerId="Windows Live" clId="Web-{1BD7AB38-D04B-4A80-8062-01A89D1E6CB4}" dt="2020-10-14T22:50:40.102" v="1"/>
-          <ac:spMkLst>
-            <pc:docMk/>
-            <pc:sldMk cId="2210866551" sldId="256"/>
-            <ac:spMk id="3" creationId="{7E2E664D-EACF-45FC-8AE2-35CF81DA6F16}"/>
-          </ac:spMkLst>
-        </pc:spChg>
-        <pc:spChg chg="add del">
-          <ac:chgData name="Gabriel Casagrande" userId="e7a325a1baaa42ba" providerId="Windows Live" clId="Web-{1BD7AB38-D04B-4A80-8062-01A89D1E6CB4}" dt="2020-10-14T22:50:40.102" v="1"/>
-          <ac:spMkLst>
-            <pc:docMk/>
-            <pc:sldMk cId="2210866551" sldId="256"/>
-            <ac:spMk id="12" creationId="{882CF1F9-72AA-4398-BD40-982F649D0E6C}"/>
-          </ac:spMkLst>
-        </pc:spChg>
-        <pc:spChg chg="add del">
-          <ac:chgData name="Gabriel Casagrande" userId="e7a325a1baaa42ba" providerId="Windows Live" clId="Web-{1BD7AB38-D04B-4A80-8062-01A89D1E6CB4}" dt="2020-10-14T22:50:40.102" v="1"/>
-          <ac:spMkLst>
-            <pc:docMk/>
-            <pc:sldMk cId="2210866551" sldId="256"/>
-            <ac:spMk id="13" creationId="{F22D4323-C44C-48B0-9D94-A5E4A4EF3608}"/>
-          </ac:spMkLst>
-        </pc:spChg>
-        <pc:spChg chg="add del">
-          <ac:chgData name="Gabriel Casagrande" userId="e7a325a1baaa42ba" providerId="Windows Live" clId="Web-{1BD7AB38-D04B-4A80-8062-01A89D1E6CB4}" dt="2020-10-14T22:50:40.102" v="1"/>
-          <ac:spMkLst>
-            <pc:docMk/>
-            <pc:sldMk cId="2210866551" sldId="256"/>
-            <ac:spMk id="15" creationId="{51302004-A73A-4B0E-B567-F61475FF716C}"/>
-          </ac:spMkLst>
-        </pc:spChg>
-        <pc:spChg chg="add del">
-          <ac:chgData name="Gabriel Casagrande" userId="e7a325a1baaa42ba" providerId="Windows Live" clId="Web-{1BD7AB38-D04B-4A80-8062-01A89D1E6CB4}" dt="2020-10-14T22:50:40.102" v="1"/>
-          <ac:spMkLst>
-            <pc:docMk/>
-            <pc:sldMk cId="2210866551" sldId="256"/>
-            <ac:spMk id="17" creationId="{F0A5F2F8-0024-481A-92C4-0974E07789F5}"/>
-          </ac:spMkLst>
-        </pc:spChg>
-        <pc:spChg chg="add del">
-          <ac:chgData name="Gabriel Casagrande" userId="e7a325a1baaa42ba" providerId="Windows Live" clId="Web-{1BD7AB38-D04B-4A80-8062-01A89D1E6CB4}" dt="2020-10-14T22:50:40.102" v="1"/>
-          <ac:spMkLst>
-            <pc:docMk/>
-            <pc:sldMk cId="2210866551" sldId="256"/>
-            <ac:spMk id="18" creationId="{FA0980F6-E794-41C1-B7AA-1FF4DE0811B4}"/>
-          </ac:spMkLst>
-        </pc:spChg>
-        <pc:spChg chg="add del">
-          <ac:chgData name="Gabriel Casagrande" userId="e7a325a1baaa42ba" providerId="Windows Live" clId="Web-{1BD7AB38-D04B-4A80-8062-01A89D1E6CB4}" dt="2020-10-14T22:50:40.102" v="1"/>
-          <ac:spMkLst>
-            <pc:docMk/>
-            <pc:sldMk cId="2210866551" sldId="256"/>
-            <ac:spMk id="20" creationId="{99536B41-25A6-47F6-B50B-0794B586E8F5}"/>
-          </ac:spMkLst>
-        </pc:spChg>
-        <pc:spChg chg="add del">
-          <ac:chgData name="Gabriel Casagrande" userId="e7a325a1baaa42ba" providerId="Windows Live" clId="Web-{1BD7AB38-D04B-4A80-8062-01A89D1E6CB4}" dt="2020-10-14T22:50:40.102" v="1"/>
-          <ac:spMkLst>
-            <pc:docMk/>
-            <pc:sldMk cId="2210866551" sldId="256"/>
-            <ac:spMk id="22" creationId="{448D9E5C-B7B5-4BF5-A5BA-168A2B247EE9}"/>
-          </ac:spMkLst>
-        </pc:spChg>
-        <pc:spChg chg="add del">
-          <ac:chgData name="Gabriel Casagrande" userId="e7a325a1baaa42ba" providerId="Windows Live" clId="Web-{1BD7AB38-D04B-4A80-8062-01A89D1E6CB4}" dt="2020-10-14T22:50:40.102" v="1"/>
-          <ac:spMkLst>
-            <pc:docMk/>
-            <pc:sldMk cId="2210866551" sldId="256"/>
-            <ac:spMk id="24" creationId="{FF7FCD30-4FFC-492E-BFB6-CD831375A42D}"/>
-          </ac:spMkLst>
-        </pc:spChg>
-        <pc:spChg chg="add del">
-          <ac:chgData name="Gabriel Casagrande" userId="e7a325a1baaa42ba" providerId="Windows Live" clId="Web-{1BD7AB38-D04B-4A80-8062-01A89D1E6CB4}" dt="2020-10-14T22:50:40.102" v="1"/>
-          <ac:spMkLst>
-            <pc:docMk/>
-            <pc:sldMk cId="2210866551" sldId="256"/>
-            <ac:spMk id="29" creationId="{985A7ABA-062E-45D8-9531-4FA2DB5D406A}"/>
-          </ac:spMkLst>
-        </pc:spChg>
-        <pc:spChg chg="add del">
-          <ac:chgData name="Gabriel Casagrande" userId="e7a325a1baaa42ba" providerId="Windows Live" clId="Web-{1BD7AB38-D04B-4A80-8062-01A89D1E6CB4}" dt="2020-10-14T22:51:09.384" v="32"/>
-          <ac:spMkLst>
-            <pc:docMk/>
-            <pc:sldMk cId="2210866551" sldId="256"/>
-            <ac:spMk id="32" creationId="{3F162EC9-35F2-4591-8255-811B8B32DDE6}"/>
-          </ac:spMkLst>
-        </pc:spChg>
-        <pc:spChg chg="add del">
-          <ac:chgData name="Gabriel Casagrande" userId="e7a325a1baaa42ba" providerId="Windows Live" clId="Web-{1BD7AB38-D04B-4A80-8062-01A89D1E6CB4}" dt="2020-10-14T22:51:09.384" v="31"/>
-          <ac:spMkLst>
-            <pc:docMk/>
-            <pc:sldMk cId="2210866551" sldId="256"/>
-            <ac:spMk id="33" creationId="{7E2E664D-EACF-45FC-8AE2-35CF81DA6F16}"/>
-          </ac:spMkLst>
-        </pc:spChg>
-        <pc:spChg chg="add del">
-          <ac:chgData name="Gabriel Casagrande" userId="e7a325a1baaa42ba" providerId="Windows Live" clId="Web-{1BD7AB38-D04B-4A80-8062-01A89D1E6CB4}" dt="2020-10-14T22:51:09.368" v="22"/>
-          <ac:spMkLst>
-            <pc:docMk/>
-            <pc:sldMk cId="2210866551" sldId="256"/>
-            <ac:spMk id="42" creationId="{882CF1F9-72AA-4398-BD40-982F649D0E6C}"/>
-          </ac:spMkLst>
-        </pc:spChg>
-        <pc:spChg chg="add del">
-          <ac:chgData name="Gabriel Casagrande" userId="e7a325a1baaa42ba" providerId="Windows Live" clId="Web-{1BD7AB38-D04B-4A80-8062-01A89D1E6CB4}" dt="2020-10-14T22:51:09.368" v="21"/>
-          <ac:spMkLst>
-            <pc:docMk/>
-            <pc:sldMk cId="2210866551" sldId="256"/>
-            <ac:spMk id="43" creationId="{F22D4323-C44C-48B0-9D94-A5E4A4EF3608}"/>
-          </ac:spMkLst>
-        </pc:spChg>
-        <pc:spChg chg="add del">
-          <ac:chgData name="Gabriel Casagrande" userId="e7a325a1baaa42ba" providerId="Windows Live" clId="Web-{1BD7AB38-D04B-4A80-8062-01A89D1E6CB4}" dt="2020-10-14T22:51:09.368" v="19"/>
-          <ac:spMkLst>
-            <pc:docMk/>
-            <pc:sldMk cId="2210866551" sldId="256"/>
-            <ac:spMk id="45" creationId="{51302004-A73A-4B0E-B567-F61475FF716C}"/>
-          </ac:spMkLst>
-        </pc:spChg>
-        <pc:spChg chg="add del">
-          <ac:chgData name="Gabriel Casagrande" userId="e7a325a1baaa42ba" providerId="Windows Live" clId="Web-{1BD7AB38-D04B-4A80-8062-01A89D1E6CB4}" dt="2020-10-14T22:51:09.368" v="17"/>
-          <ac:spMkLst>
-            <pc:docMk/>
-            <pc:sldMk cId="2210866551" sldId="256"/>
-            <ac:spMk id="47" creationId="{F0A5F2F8-0024-481A-92C4-0974E07789F5}"/>
-          </ac:spMkLst>
-        </pc:spChg>
-        <pc:spChg chg="add del">
-          <ac:chgData name="Gabriel Casagrande" userId="e7a325a1baaa42ba" providerId="Windows Live" clId="Web-{1BD7AB38-D04B-4A80-8062-01A89D1E6CB4}" dt="2020-10-14T22:51:09.368" v="16"/>
-          <ac:spMkLst>
-            <pc:docMk/>
-            <pc:sldMk cId="2210866551" sldId="256"/>
-            <ac:spMk id="48" creationId="{FA0980F6-E794-41C1-B7AA-1FF4DE0811B4}"/>
-          </ac:spMkLst>
-        </pc:spChg>
-        <pc:spChg chg="add del">
-          <ac:chgData name="Gabriel Casagrande" userId="e7a325a1baaa42ba" providerId="Windows Live" clId="Web-{1BD7AB38-D04B-4A80-8062-01A89D1E6CB4}" dt="2020-10-14T22:51:09.352" v="14"/>
-          <ac:spMkLst>
-            <pc:docMk/>
-            <pc:sldMk cId="2210866551" sldId="256"/>
-            <ac:spMk id="50" creationId="{99536B41-25A6-47F6-B50B-0794B586E8F5}"/>
-          </ac:spMkLst>
-        </pc:spChg>
-        <pc:spChg chg="add del">
-          <ac:chgData name="Gabriel Casagrande" userId="e7a325a1baaa42ba" providerId="Windows Live" clId="Web-{1BD7AB38-D04B-4A80-8062-01A89D1E6CB4}" dt="2020-10-14T22:51:09.352" v="12"/>
-          <ac:spMkLst>
-            <pc:docMk/>
-            <pc:sldMk cId="2210866551" sldId="256"/>
-            <ac:spMk id="52" creationId="{448D9E5C-B7B5-4BF5-A5BA-168A2B247EE9}"/>
-          </ac:spMkLst>
-        </pc:spChg>
-        <pc:spChg chg="add del">
-          <ac:chgData name="Gabriel Casagrande" userId="e7a325a1baaa42ba" providerId="Windows Live" clId="Web-{1BD7AB38-D04B-4A80-8062-01A89D1E6CB4}" dt="2020-10-14T22:51:09.352" v="10"/>
-          <ac:spMkLst>
-            <pc:docMk/>
-            <pc:sldMk cId="2210866551" sldId="256"/>
-            <ac:spMk id="54" creationId="{FF7FCD30-4FFC-492E-BFB6-CD831375A42D}"/>
-          </ac:spMkLst>
-        </pc:spChg>
-        <pc:spChg chg="add del">
-          <ac:chgData name="Gabriel Casagrande" userId="e7a325a1baaa42ba" providerId="Windows Live" clId="Web-{1BD7AB38-D04B-4A80-8062-01A89D1E6CB4}" dt="2020-10-14T22:51:09.352" v="5"/>
-          <ac:spMkLst>
-            <pc:docMk/>
-            <pc:sldMk cId="2210866551" sldId="256"/>
-            <ac:spMk id="59" creationId="{985A7ABA-062E-45D8-9531-4FA2DB5D406A}"/>
-          </ac:spMkLst>
-        </pc:spChg>
-        <pc:spChg chg="add">
-          <ac:chgData name="Gabriel Casagrande" userId="e7a325a1baaa42ba" providerId="Windows Live" clId="Web-{1BD7AB38-D04B-4A80-8062-01A89D1E6CB4}" dt="2020-10-14T22:51:10.477" v="33"/>
-          <ac:spMkLst>
-            <pc:docMk/>
-            <pc:sldMk cId="2210866551" sldId="256"/>
-            <ac:spMk id="62" creationId="{77D97E14-17CE-4C01-B642-1290D2E7F36F}"/>
-          </ac:spMkLst>
-        </pc:spChg>
-        <pc:spChg chg="add">
-          <ac:chgData name="Gabriel Casagrande" userId="e7a325a1baaa42ba" providerId="Windows Live" clId="Web-{1BD7AB38-D04B-4A80-8062-01A89D1E6CB4}" dt="2020-10-14T22:51:10.477" v="33"/>
-          <ac:spMkLst>
-            <pc:docMk/>
-            <pc:sldMk cId="2210866551" sldId="256"/>
-            <ac:spMk id="63" creationId="{57AA21F1-B113-44AE-AA5A-C3FAC115093D}"/>
-          </ac:spMkLst>
-        </pc:spChg>
-        <pc:spChg chg="add">
-          <ac:chgData name="Gabriel Casagrande" userId="e7a325a1baaa42ba" providerId="Windows Live" clId="Web-{1BD7AB38-D04B-4A80-8062-01A89D1E6CB4}" dt="2020-10-14T22:51:10.477" v="33"/>
-          <ac:spMkLst>
-            <pc:docMk/>
-            <pc:sldMk cId="2210866551" sldId="256"/>
-            <ac:spMk id="74" creationId="{545B2C1E-5A5E-4AC4-AC73-7B635F4654FD}"/>
-          </ac:spMkLst>
-        </pc:spChg>
-        <pc:spChg chg="add">
-          <ac:chgData name="Gabriel Casagrande" userId="e7a325a1baaa42ba" providerId="Windows Live" clId="Web-{1BD7AB38-D04B-4A80-8062-01A89D1E6CB4}" dt="2020-10-14T22:51:10.477" v="33"/>
-          <ac:spMkLst>
-            <pc:docMk/>
-            <pc:sldMk cId="2210866551" sldId="256"/>
-            <ac:spMk id="75" creationId="{661BFA1B-5B17-4398-A37E-CDC8F060DE09}"/>
-          </ac:spMkLst>
-        </pc:spChg>
-        <pc:spChg chg="add">
-          <ac:chgData name="Gabriel Casagrande" userId="e7a325a1baaa42ba" providerId="Windows Live" clId="Web-{1BD7AB38-D04B-4A80-8062-01A89D1E6CB4}" dt="2020-10-14T22:51:10.477" v="33"/>
-          <ac:spMkLst>
-            <pc:docMk/>
-            <pc:sldMk cId="2210866551" sldId="256"/>
-            <ac:spMk id="77" creationId="{7CC70DB7-FADB-4ABC-9770-C4D234F4BDAC}"/>
-          </ac:spMkLst>
-        </pc:spChg>
-        <pc:spChg chg="add">
-          <ac:chgData name="Gabriel Casagrande" userId="e7a325a1baaa42ba" providerId="Windows Live" clId="Web-{1BD7AB38-D04B-4A80-8062-01A89D1E6CB4}" dt="2020-10-14T22:51:10.477" v="33"/>
-          <ac:spMkLst>
-            <pc:docMk/>
-            <pc:sldMk cId="2210866551" sldId="256"/>
-            <ac:spMk id="79" creationId="{94ACD128-4827-42F4-A091-0C352D721931}"/>
-          </ac:spMkLst>
-        </pc:spChg>
-        <pc:spChg chg="add">
-          <ac:chgData name="Gabriel Casagrande" userId="e7a325a1baaa42ba" providerId="Windows Live" clId="Web-{1BD7AB38-D04B-4A80-8062-01A89D1E6CB4}" dt="2020-10-14T22:51:10.477" v="33"/>
-          <ac:spMkLst>
-            <pc:docMk/>
-            <pc:sldMk cId="2210866551" sldId="256"/>
-            <ac:spMk id="80" creationId="{8B940CA9-FF0C-4C9F-A196-D06690534689}"/>
-          </ac:spMkLst>
-        </pc:spChg>
-        <pc:spChg chg="add">
-          <ac:chgData name="Gabriel Casagrande" userId="e7a325a1baaa42ba" providerId="Windows Live" clId="Web-{1BD7AB38-D04B-4A80-8062-01A89D1E6CB4}" dt="2020-10-14T22:51:10.477" v="33"/>
-          <ac:spMkLst>
-            <pc:docMk/>
-            <pc:sldMk cId="2210866551" sldId="256"/>
-            <ac:spMk id="82" creationId="{7454D2FC-6B62-436E-AA25-6BEF6924C373}"/>
-          </ac:spMkLst>
-        </pc:spChg>
-        <pc:spChg chg="add">
-          <ac:chgData name="Gabriel Casagrande" userId="e7a325a1baaa42ba" providerId="Windows Live" clId="Web-{1BD7AB38-D04B-4A80-8062-01A89D1E6CB4}" dt="2020-10-14T22:51:10.477" v="33"/>
-          <ac:spMkLst>
-            <pc:docMk/>
-            <pc:sldMk cId="2210866551" sldId="256"/>
-            <ac:spMk id="84" creationId="{EC389C23-43C6-41B4-971E-321A55F2CE4D}"/>
-          </ac:spMkLst>
-        </pc:spChg>
-        <pc:spChg chg="add">
-          <ac:chgData name="Gabriel Casagrande" userId="e7a325a1baaa42ba" providerId="Windows Live" clId="Web-{1BD7AB38-D04B-4A80-8062-01A89D1E6CB4}" dt="2020-10-14T22:51:10.477" v="33"/>
-          <ac:spMkLst>
-            <pc:docMk/>
-            <pc:sldMk cId="2210866551" sldId="256"/>
-            <ac:spMk id="86" creationId="{44943EB0-A140-4F39-9E70-7F7A9D9EF896}"/>
-          </ac:spMkLst>
-        </pc:spChg>
-        <pc:spChg chg="add">
-          <ac:chgData name="Gabriel Casagrande" userId="e7a325a1baaa42ba" providerId="Windows Live" clId="Web-{1BD7AB38-D04B-4A80-8062-01A89D1E6CB4}" dt="2020-10-14T22:51:10.477" v="33"/>
-          <ac:spMkLst>
-            <pc:docMk/>
-            <pc:sldMk cId="2210866551" sldId="256"/>
-            <ac:spMk id="90" creationId="{125F1AAF-4D51-40FD-AC58-CB05EADF63CA}"/>
-          </ac:spMkLst>
-        </pc:spChg>
-        <pc:spChg chg="add">
-          <ac:chgData name="Gabriel Casagrande" userId="e7a325a1baaa42ba" providerId="Windows Live" clId="Web-{1BD7AB38-D04B-4A80-8062-01A89D1E6CB4}" dt="2020-10-14T22:51:10.477" v="33"/>
-          <ac:spMkLst>
-            <pc:docMk/>
-            <pc:sldMk cId="2210866551" sldId="256"/>
-            <ac:spMk id="92" creationId="{D4C3851E-A7C8-4391-8E85-32ADBACEB607}"/>
-          </ac:spMkLst>
-        </pc:spChg>
-        <pc:spChg chg="add">
-          <ac:chgData name="Gabriel Casagrande" userId="e7a325a1baaa42ba" providerId="Windows Live" clId="Web-{1BD7AB38-D04B-4A80-8062-01A89D1E6CB4}" dt="2020-10-14T22:51:10.477" v="33"/>
-          <ac:spMkLst>
-            <pc:docMk/>
-            <pc:sldMk cId="2210866551" sldId="256"/>
-            <ac:spMk id="93" creationId="{4441E1EB-8C9E-452C-87F6-5CDC7F7900CB}"/>
-          </ac:spMkLst>
-        </pc:spChg>
-        <pc:spChg chg="add mod">
-          <ac:chgData name="Gabriel Casagrande" userId="e7a325a1baaa42ba" providerId="Windows Live" clId="Web-{1BD7AB38-D04B-4A80-8062-01A89D1E6CB4}" dt="2020-10-15T00:14:46.157" v="37" actId="20577"/>
-          <ac:spMkLst>
-            <pc:docMk/>
-            <pc:sldMk cId="2210866551" sldId="256"/>
-            <ac:spMk id="94" creationId="{2198883C-5A43-4782-B0E9-238B6EA605FA}"/>
-          </ac:spMkLst>
-        </pc:spChg>
-        <pc:cxnChg chg="add del">
-          <ac:chgData name="Gabriel Casagrande" userId="e7a325a1baaa42ba" providerId="Windows Live" clId="Web-{1BD7AB38-D04B-4A80-8062-01A89D1E6CB4}" dt="2020-10-14T22:50:40.102" v="1"/>
-          <ac:cxnSpMkLst>
-            <pc:docMk/>
-            <pc:sldMk cId="2210866551" sldId="256"/>
-            <ac:cxnSpMk id="4" creationId="{C069CE39-B8FE-4B22-81D6-81D1211DF7EA}"/>
-          </ac:cxnSpMkLst>
-        </pc:cxnChg>
-        <pc:cxnChg chg="add del">
-          <ac:chgData name="Gabriel Casagrande" userId="e7a325a1baaa42ba" providerId="Windows Live" clId="Web-{1BD7AB38-D04B-4A80-8062-01A89D1E6CB4}" dt="2020-10-14T22:50:40.102" v="1"/>
-          <ac:cxnSpMkLst>
-            <pc:docMk/>
-            <pc:sldMk cId="2210866551" sldId="256"/>
-            <ac:cxnSpMk id="5" creationId="{C6BA7C1F-C5AF-4466-803E-62EF6C05B257}"/>
-          </ac:cxnSpMkLst>
-        </pc:cxnChg>
-        <pc:cxnChg chg="add del">
-          <ac:chgData name="Gabriel Casagrande" userId="e7a325a1baaa42ba" providerId="Windows Live" clId="Web-{1BD7AB38-D04B-4A80-8062-01A89D1E6CB4}" dt="2020-10-14T22:50:40.102" v="1"/>
-          <ac:cxnSpMkLst>
-            <pc:docMk/>
-            <pc:sldMk cId="2210866551" sldId="256"/>
-            <ac:cxnSpMk id="6" creationId="{11334B00-C1E2-486C-95FC-ADBA762617F7}"/>
-          </ac:cxnSpMkLst>
-        </pc:cxnChg>
-        <pc:cxnChg chg="add del">
-          <ac:chgData name="Gabriel Casagrande" userId="e7a325a1baaa42ba" providerId="Windows Live" clId="Web-{1BD7AB38-D04B-4A80-8062-01A89D1E6CB4}" dt="2020-10-14T22:50:40.102" v="1"/>
-          <ac:cxnSpMkLst>
-            <pc:docMk/>
-            <pc:sldMk cId="2210866551" sldId="256"/>
-            <ac:cxnSpMk id="7" creationId="{D9C59FD9-0A85-4A51-BCA9-AEC05552B497}"/>
-          </ac:cxnSpMkLst>
-        </pc:cxnChg>
-        <pc:cxnChg chg="add del">
-          <ac:chgData name="Gabriel Casagrande" userId="e7a325a1baaa42ba" providerId="Windows Live" clId="Web-{1BD7AB38-D04B-4A80-8062-01A89D1E6CB4}" dt="2020-10-14T22:50:40.102" v="1"/>
-          <ac:cxnSpMkLst>
-            <pc:docMk/>
-            <pc:sldMk cId="2210866551" sldId="256"/>
-            <ac:cxnSpMk id="8" creationId="{E2981637-E283-4144-B695-74BA94790CA1}"/>
-          </ac:cxnSpMkLst>
-        </pc:cxnChg>
-        <pc:cxnChg chg="add del">
-          <ac:chgData name="Gabriel Casagrande" userId="e7a325a1baaa42ba" providerId="Windows Live" clId="Web-{1BD7AB38-D04B-4A80-8062-01A89D1E6CB4}" dt="2020-10-14T22:50:40.102" v="1"/>
-          <ac:cxnSpMkLst>
-            <pc:docMk/>
-            <pc:sldMk cId="2210866551" sldId="256"/>
-            <ac:cxnSpMk id="9" creationId="{45851E28-F88B-44B5-83B1-77CC0D79F5E2}"/>
-          </ac:cxnSpMkLst>
-        </pc:cxnChg>
-        <pc:cxnChg chg="add del">
-          <ac:chgData name="Gabriel Casagrande" userId="e7a325a1baaa42ba" providerId="Windows Live" clId="Web-{1BD7AB38-D04B-4A80-8062-01A89D1E6CB4}" dt="2020-10-14T22:50:40.102" v="1"/>
-          <ac:cxnSpMkLst>
-            <pc:docMk/>
-            <pc:sldMk cId="2210866551" sldId="256"/>
-            <ac:cxnSpMk id="10" creationId="{82CF7556-0EF3-4686-98B7-65FC9BD54453}"/>
-          </ac:cxnSpMkLst>
-        </pc:cxnChg>
-        <pc:cxnChg chg="add del">
-          <ac:chgData name="Gabriel Casagrande" userId="e7a325a1baaa42ba" providerId="Windows Live" clId="Web-{1BD7AB38-D04B-4A80-8062-01A89D1E6CB4}" dt="2020-10-14T22:50:40.102" v="1"/>
-          <ac:cxnSpMkLst>
-            <pc:docMk/>
-            <pc:sldMk cId="2210866551" sldId="256"/>
-            <ac:cxnSpMk id="11" creationId="{7AE2999D-E17D-4100-B970-3C40300DE09E}"/>
-          </ac:cxnSpMkLst>
-        </pc:cxnChg>
-        <pc:cxnChg chg="add del">
-          <ac:chgData name="Gabriel Casagrande" userId="e7a325a1baaa42ba" providerId="Windows Live" clId="Web-{1BD7AB38-D04B-4A80-8062-01A89D1E6CB4}" dt="2020-10-14T22:50:40.102" v="1"/>
-          <ac:cxnSpMkLst>
-            <pc:docMk/>
-            <pc:sldMk cId="2210866551" sldId="256"/>
-            <ac:cxnSpMk id="14" creationId="{C9F24C1E-594F-4740-9D64-6F1AA8905A84}"/>
-          </ac:cxnSpMkLst>
-        </pc:cxnChg>
-        <pc:cxnChg chg="add del">
-          <ac:chgData name="Gabriel Casagrande" userId="e7a325a1baaa42ba" providerId="Windows Live" clId="Web-{1BD7AB38-D04B-4A80-8062-01A89D1E6CB4}" dt="2020-10-14T22:50:40.102" v="1"/>
-          <ac:cxnSpMkLst>
-            <pc:docMk/>
-            <pc:sldMk cId="2210866551" sldId="256"/>
-            <ac:cxnSpMk id="16" creationId="{5AE3E9F9-D4FE-4710-89A6-ED648D8A4053}"/>
-          </ac:cxnSpMkLst>
-        </pc:cxnChg>
-        <pc:cxnChg chg="add del">
-          <ac:chgData name="Gabriel Casagrande" userId="e7a325a1baaa42ba" providerId="Windows Live" clId="Web-{1BD7AB38-D04B-4A80-8062-01A89D1E6CB4}" dt="2020-10-14T22:50:40.102" v="1"/>
-          <ac:cxnSpMkLst>
-            <pc:docMk/>
-            <pc:sldMk cId="2210866551" sldId="256"/>
-            <ac:cxnSpMk id="19" creationId="{FA97D7E2-7B18-4172-A200-0C5313D6DAD3}"/>
-          </ac:cxnSpMkLst>
-        </pc:cxnChg>
-        <pc:cxnChg chg="add del">
-          <ac:chgData name="Gabriel Casagrande" userId="e7a325a1baaa42ba" providerId="Windows Live" clId="Web-{1BD7AB38-D04B-4A80-8062-01A89D1E6CB4}" dt="2020-10-14T22:50:40.102" v="1"/>
-          <ac:cxnSpMkLst>
-            <pc:docMk/>
-            <pc:sldMk cId="2210866551" sldId="256"/>
-            <ac:cxnSpMk id="21" creationId="{D307C4A5-BACA-4411-8A3D-DEFDC278C32A}"/>
-          </ac:cxnSpMkLst>
-        </pc:cxnChg>
-        <pc:cxnChg chg="add del">
-          <ac:chgData name="Gabriel Casagrande" userId="e7a325a1baaa42ba" providerId="Windows Live" clId="Web-{1BD7AB38-D04B-4A80-8062-01A89D1E6CB4}" dt="2020-10-14T22:50:40.102" v="1"/>
-          <ac:cxnSpMkLst>
-            <pc:docMk/>
-            <pc:sldMk cId="2210866551" sldId="256"/>
-            <ac:cxnSpMk id="23" creationId="{13804140-19C5-4DA8-92CE-430597C997B8}"/>
-          </ac:cxnSpMkLst>
-        </pc:cxnChg>
-        <pc:cxnChg chg="add del">
-          <ac:chgData name="Gabriel Casagrande" userId="e7a325a1baaa42ba" providerId="Windows Live" clId="Web-{1BD7AB38-D04B-4A80-8062-01A89D1E6CB4}" dt="2020-10-14T22:50:40.102" v="1"/>
-          <ac:cxnSpMkLst>
-            <pc:docMk/>
-            <pc:sldMk cId="2210866551" sldId="256"/>
-            <ac:cxnSpMk id="25" creationId="{46B58B88-1D67-42A4-9122-96CF9D2CB243}"/>
-          </ac:cxnSpMkLst>
-        </pc:cxnChg>
-        <pc:cxnChg chg="add del">
-          <ac:chgData name="Gabriel Casagrande" userId="e7a325a1baaa42ba" providerId="Windows Live" clId="Web-{1BD7AB38-D04B-4A80-8062-01A89D1E6CB4}" dt="2020-10-14T22:50:40.102" v="1"/>
-          <ac:cxnSpMkLst>
-            <pc:docMk/>
-            <pc:sldMk cId="2210866551" sldId="256"/>
-            <ac:cxnSpMk id="26" creationId="{060352AE-34E2-459C-B164-7633CCCE8711}"/>
-          </ac:cxnSpMkLst>
-        </pc:cxnChg>
-        <pc:cxnChg chg="add del">
-          <ac:chgData name="Gabriel Casagrande" userId="e7a325a1baaa42ba" providerId="Windows Live" clId="Web-{1BD7AB38-D04B-4A80-8062-01A89D1E6CB4}" dt="2020-10-14T22:50:40.102" v="1"/>
-          <ac:cxnSpMkLst>
-            <pc:docMk/>
-            <pc:sldMk cId="2210866551" sldId="256"/>
-            <ac:cxnSpMk id="27" creationId="{C18A4256-3544-42A3-9E05-F841CF3984AD}"/>
-          </ac:cxnSpMkLst>
-        </pc:cxnChg>
-        <pc:cxnChg chg="add del">
-          <ac:chgData name="Gabriel Casagrande" userId="e7a325a1baaa42ba" providerId="Windows Live" clId="Web-{1BD7AB38-D04B-4A80-8062-01A89D1E6CB4}" dt="2020-10-14T22:50:40.102" v="1"/>
-          <ac:cxnSpMkLst>
-            <pc:docMk/>
-            <pc:sldMk cId="2210866551" sldId="256"/>
-            <ac:cxnSpMk id="28" creationId="{04CAD924-4CA9-4DF1-94F5-DBF9F00A27F9}"/>
-          </ac:cxnSpMkLst>
-        </pc:cxnChg>
-        <pc:cxnChg chg="add del mod">
-          <ac:chgData name="Gabriel Casagrande" userId="e7a325a1baaa42ba" providerId="Windows Live" clId="Web-{1BD7AB38-D04B-4A80-8062-01A89D1E6CB4}" dt="2020-10-14T22:50:40.102" v="1"/>
-          <ac:cxnSpMkLst>
-            <pc:docMk/>
-            <pc:sldMk cId="2210866551" sldId="256"/>
-            <ac:cxnSpMk id="30" creationId="{68A31380-D6DA-4F64-B500-50539EA9A98B}"/>
-          </ac:cxnSpMkLst>
-        </pc:cxnChg>
-        <pc:cxnChg chg="add del">
-          <ac:chgData name="Gabriel Casagrande" userId="e7a325a1baaa42ba" providerId="Windows Live" clId="Web-{1BD7AB38-D04B-4A80-8062-01A89D1E6CB4}" dt="2020-10-14T22:50:40.102" v="1"/>
-          <ac:cxnSpMkLst>
-            <pc:docMk/>
-            <pc:sldMk cId="2210866551" sldId="256"/>
-            <ac:cxnSpMk id="31" creationId="{9D5AFFA0-18AF-41CD-80A4-1A761E991E52}"/>
-          </ac:cxnSpMkLst>
-        </pc:cxnChg>
-        <pc:cxnChg chg="add del">
-          <ac:chgData name="Gabriel Casagrande" userId="e7a325a1baaa42ba" providerId="Windows Live" clId="Web-{1BD7AB38-D04B-4A80-8062-01A89D1E6CB4}" dt="2020-10-14T22:51:09.368" v="30"/>
-          <ac:cxnSpMkLst>
-            <pc:docMk/>
-            <pc:sldMk cId="2210866551" sldId="256"/>
-            <ac:cxnSpMk id="34" creationId="{C069CE39-B8FE-4B22-81D6-81D1211DF7EA}"/>
-          </ac:cxnSpMkLst>
-        </pc:cxnChg>
-        <pc:cxnChg chg="add del">
-          <ac:chgData name="Gabriel Casagrande" userId="e7a325a1baaa42ba" providerId="Windows Live" clId="Web-{1BD7AB38-D04B-4A80-8062-01A89D1E6CB4}" dt="2020-10-14T22:51:09.368" v="29"/>
-          <ac:cxnSpMkLst>
-            <pc:docMk/>
-            <pc:sldMk cId="2210866551" sldId="256"/>
-            <ac:cxnSpMk id="35" creationId="{C6BA7C1F-C5AF-4466-803E-62EF6C05B257}"/>
-          </ac:cxnSpMkLst>
-        </pc:cxnChg>
-        <pc:cxnChg chg="add del">
-          <ac:chgData name="Gabriel Casagrande" userId="e7a325a1baaa42ba" providerId="Windows Live" clId="Web-{1BD7AB38-D04B-4A80-8062-01A89D1E6CB4}" dt="2020-10-14T22:51:09.368" v="28"/>
-          <ac:cxnSpMkLst>
-            <pc:docMk/>
-            <pc:sldMk cId="2210866551" sldId="256"/>
-            <ac:cxnSpMk id="36" creationId="{11334B00-C1E2-486C-95FC-ADBA762617F7}"/>
-          </ac:cxnSpMkLst>
-        </pc:cxnChg>
-        <pc:cxnChg chg="add del">
-          <ac:chgData name="Gabriel Casagrande" userId="e7a325a1baaa42ba" providerId="Windows Live" clId="Web-{1BD7AB38-D04B-4A80-8062-01A89D1E6CB4}" dt="2020-10-14T22:51:09.368" v="27"/>
-          <ac:cxnSpMkLst>
-            <pc:docMk/>
-            <pc:sldMk cId="2210866551" sldId="256"/>
-            <ac:cxnSpMk id="37" creationId="{D9C59FD9-0A85-4A51-BCA9-AEC05552B497}"/>
-          </ac:cxnSpMkLst>
-        </pc:cxnChg>
-        <pc:cxnChg chg="add del">
-          <ac:chgData name="Gabriel Casagrande" userId="e7a325a1baaa42ba" providerId="Windows Live" clId="Web-{1BD7AB38-D04B-4A80-8062-01A89D1E6CB4}" dt="2020-10-14T22:51:09.368" v="26"/>
-          <ac:cxnSpMkLst>
-            <pc:docMk/>
-            <pc:sldMk cId="2210866551" sldId="256"/>
-            <ac:cxnSpMk id="38" creationId="{E2981637-E283-4144-B695-74BA94790CA1}"/>
-          </ac:cxnSpMkLst>
-        </pc:cxnChg>
-        <pc:cxnChg chg="add del">
-          <ac:chgData name="Gabriel Casagrande" userId="e7a325a1baaa42ba" providerId="Windows Live" clId="Web-{1BD7AB38-D04B-4A80-8062-01A89D1E6CB4}" dt="2020-10-14T22:51:09.368" v="25"/>
-          <ac:cxnSpMkLst>
-            <pc:docMk/>
-            <pc:sldMk cId="2210866551" sldId="256"/>
-            <ac:cxnSpMk id="39" creationId="{45851E28-F88B-44B5-83B1-77CC0D79F5E2}"/>
-          </ac:cxnSpMkLst>
-        </pc:cxnChg>
-        <pc:cxnChg chg="add del">
-          <ac:chgData name="Gabriel Casagrande" userId="e7a325a1baaa42ba" providerId="Windows Live" clId="Web-{1BD7AB38-D04B-4A80-8062-01A89D1E6CB4}" dt="2020-10-14T22:51:09.368" v="24"/>
-          <ac:cxnSpMkLst>
-            <pc:docMk/>
-            <pc:sldMk cId="2210866551" sldId="256"/>
-            <ac:cxnSpMk id="40" creationId="{82CF7556-0EF3-4686-98B7-65FC9BD54453}"/>
-          </ac:cxnSpMkLst>
-        </pc:cxnChg>
-        <pc:cxnChg chg="add del">
-          <ac:chgData name="Gabriel Casagrande" userId="e7a325a1baaa42ba" providerId="Windows Live" clId="Web-{1BD7AB38-D04B-4A80-8062-01A89D1E6CB4}" dt="2020-10-14T22:51:09.368" v="23"/>
-          <ac:cxnSpMkLst>
-            <pc:docMk/>
-            <pc:sldMk cId="2210866551" sldId="256"/>
-            <ac:cxnSpMk id="41" creationId="{7AE2999D-E17D-4100-B970-3C40300DE09E}"/>
-          </ac:cxnSpMkLst>
-        </pc:cxnChg>
-        <pc:cxnChg chg="add del">
-          <ac:chgData name="Gabriel Casagrande" userId="e7a325a1baaa42ba" providerId="Windows Live" clId="Web-{1BD7AB38-D04B-4A80-8062-01A89D1E6CB4}" dt="2020-10-14T22:51:09.368" v="20"/>
-          <ac:cxnSpMkLst>
-            <pc:docMk/>
-            <pc:sldMk cId="2210866551" sldId="256"/>
-            <ac:cxnSpMk id="44" creationId="{C9F24C1E-594F-4740-9D64-6F1AA8905A84}"/>
-          </ac:cxnSpMkLst>
-        </pc:cxnChg>
-        <pc:cxnChg chg="add del">
-          <ac:chgData name="Gabriel Casagrande" userId="e7a325a1baaa42ba" providerId="Windows Live" clId="Web-{1BD7AB38-D04B-4A80-8062-01A89D1E6CB4}" dt="2020-10-14T22:51:09.368" v="18"/>
-          <ac:cxnSpMkLst>
-            <pc:docMk/>
-            <pc:sldMk cId="2210866551" sldId="256"/>
-            <ac:cxnSpMk id="46" creationId="{5AE3E9F9-D4FE-4710-89A6-ED648D8A4053}"/>
-          </ac:cxnSpMkLst>
-        </pc:cxnChg>
-        <pc:cxnChg chg="add del">
-          <ac:chgData name="Gabriel Casagrande" userId="e7a325a1baaa42ba" providerId="Windows Live" clId="Web-{1BD7AB38-D04B-4A80-8062-01A89D1E6CB4}" dt="2020-10-14T22:51:09.368" v="15"/>
-          <ac:cxnSpMkLst>
-            <pc:docMk/>
-            <pc:sldMk cId="2210866551" sldId="256"/>
-            <ac:cxnSpMk id="49" creationId="{FA97D7E2-7B18-4172-A200-0C5313D6DAD3}"/>
-          </ac:cxnSpMkLst>
-        </pc:cxnChg>
-        <pc:cxnChg chg="add del">
-          <ac:chgData name="Gabriel Casagrande" userId="e7a325a1baaa42ba" providerId="Windows Live" clId="Web-{1BD7AB38-D04B-4A80-8062-01A89D1E6CB4}" dt="2020-10-14T22:51:09.352" v="13"/>
-          <ac:cxnSpMkLst>
-            <pc:docMk/>
-            <pc:sldMk cId="2210866551" sldId="256"/>
-            <ac:cxnSpMk id="51" creationId="{D307C4A5-BACA-4411-8A3D-DEFDC278C32A}"/>
-          </ac:cxnSpMkLst>
-        </pc:cxnChg>
-        <pc:cxnChg chg="add del">
-          <ac:chgData name="Gabriel Casagrande" userId="e7a325a1baaa42ba" providerId="Windows Live" clId="Web-{1BD7AB38-D04B-4A80-8062-01A89D1E6CB4}" dt="2020-10-14T22:51:09.352" v="11"/>
-          <ac:cxnSpMkLst>
-            <pc:docMk/>
-            <pc:sldMk cId="2210866551" sldId="256"/>
-            <ac:cxnSpMk id="53" creationId="{13804140-19C5-4DA8-92CE-430597C997B8}"/>
-          </ac:cxnSpMkLst>
-        </pc:cxnChg>
-        <pc:cxnChg chg="add del">
-          <ac:chgData name="Gabriel Casagrande" userId="e7a325a1baaa42ba" providerId="Windows Live" clId="Web-{1BD7AB38-D04B-4A80-8062-01A89D1E6CB4}" dt="2020-10-14T22:51:09.352" v="9"/>
-          <ac:cxnSpMkLst>
-            <pc:docMk/>
-            <pc:sldMk cId="2210866551" sldId="256"/>
-            <ac:cxnSpMk id="55" creationId="{46B58B88-1D67-42A4-9122-96CF9D2CB243}"/>
-          </ac:cxnSpMkLst>
-        </pc:cxnChg>
-        <pc:cxnChg chg="add del">
-          <ac:chgData name="Gabriel Casagrande" userId="e7a325a1baaa42ba" providerId="Windows Live" clId="Web-{1BD7AB38-D04B-4A80-8062-01A89D1E6CB4}" dt="2020-10-14T22:51:09.352" v="8"/>
-          <ac:cxnSpMkLst>
-            <pc:docMk/>
-            <pc:sldMk cId="2210866551" sldId="256"/>
-            <ac:cxnSpMk id="56" creationId="{060352AE-34E2-459C-B164-7633CCCE8711}"/>
-          </ac:cxnSpMkLst>
-        </pc:cxnChg>
-        <pc:cxnChg chg="add del">
-          <ac:chgData name="Gabriel Casagrande" userId="e7a325a1baaa42ba" providerId="Windows Live" clId="Web-{1BD7AB38-D04B-4A80-8062-01A89D1E6CB4}" dt="2020-10-14T22:51:09.352" v="7"/>
-          <ac:cxnSpMkLst>
-            <pc:docMk/>
-            <pc:sldMk cId="2210866551" sldId="256"/>
-            <ac:cxnSpMk id="57" creationId="{C18A4256-3544-42A3-9E05-F841CF3984AD}"/>
-          </ac:cxnSpMkLst>
-        </pc:cxnChg>
-        <pc:cxnChg chg="add del">
-          <ac:chgData name="Gabriel Casagrande" userId="e7a325a1baaa42ba" providerId="Windows Live" clId="Web-{1BD7AB38-D04B-4A80-8062-01A89D1E6CB4}" dt="2020-10-14T22:51:09.352" v="6"/>
-          <ac:cxnSpMkLst>
-            <pc:docMk/>
-            <pc:sldMk cId="2210866551" sldId="256"/>
-            <ac:cxnSpMk id="58" creationId="{04CAD924-4CA9-4DF1-94F5-DBF9F00A27F9}"/>
-          </ac:cxnSpMkLst>
-        </pc:cxnChg>
-        <pc:cxnChg chg="add del mod">
-          <ac:chgData name="Gabriel Casagrande" userId="e7a325a1baaa42ba" providerId="Windows Live" clId="Web-{1BD7AB38-D04B-4A80-8062-01A89D1E6CB4}" dt="2020-10-14T22:51:09.352" v="4"/>
-          <ac:cxnSpMkLst>
-            <pc:docMk/>
-            <pc:sldMk cId="2210866551" sldId="256"/>
-            <ac:cxnSpMk id="60" creationId="{68A31380-D6DA-4F64-B500-50539EA9A98B}"/>
-          </ac:cxnSpMkLst>
-        </pc:cxnChg>
-        <pc:cxnChg chg="add del">
-          <ac:chgData name="Gabriel Casagrande" userId="e7a325a1baaa42ba" providerId="Windows Live" clId="Web-{1BD7AB38-D04B-4A80-8062-01A89D1E6CB4}" dt="2020-10-14T22:51:09.352" v="3"/>
-          <ac:cxnSpMkLst>
-            <pc:docMk/>
-            <pc:sldMk cId="2210866551" sldId="256"/>
-            <ac:cxnSpMk id="61" creationId="{9D5AFFA0-18AF-41CD-80A4-1A761E991E52}"/>
-          </ac:cxnSpMkLst>
-        </pc:cxnChg>
-        <pc:cxnChg chg="add">
-          <ac:chgData name="Gabriel Casagrande" userId="e7a325a1baaa42ba" providerId="Windows Live" clId="Web-{1BD7AB38-D04B-4A80-8062-01A89D1E6CB4}" dt="2020-10-14T22:51:10.477" v="33"/>
-          <ac:cxnSpMkLst>
-            <pc:docMk/>
-            <pc:sldMk cId="2210866551" sldId="256"/>
-            <ac:cxnSpMk id="64" creationId="{6CB17B91-71C9-4C77-8288-2045271D221D}"/>
-          </ac:cxnSpMkLst>
-        </pc:cxnChg>
-        <pc:cxnChg chg="add">
-          <ac:chgData name="Gabriel Casagrande" userId="e7a325a1baaa42ba" providerId="Windows Live" clId="Web-{1BD7AB38-D04B-4A80-8062-01A89D1E6CB4}" dt="2020-10-14T22:51:10.477" v="33"/>
-          <ac:cxnSpMkLst>
-            <pc:docMk/>
-            <pc:sldMk cId="2210866551" sldId="256"/>
-            <ac:cxnSpMk id="65" creationId="{9BAF8EC6-A3C5-4BF4-B350-869C08C88053}"/>
-          </ac:cxnSpMkLst>
-        </pc:cxnChg>
-        <pc:cxnChg chg="add">
-          <ac:chgData name="Gabriel Casagrande" userId="e7a325a1baaa42ba" providerId="Windows Live" clId="Web-{1BD7AB38-D04B-4A80-8062-01A89D1E6CB4}" dt="2020-10-14T22:51:10.477" v="33"/>
-          <ac:cxnSpMkLst>
-            <pc:docMk/>
-            <pc:sldMk cId="2210866551" sldId="256"/>
-            <ac:cxnSpMk id="66" creationId="{A7539E24-7BC8-468D-B29A-2ED30907F45B}"/>
-          </ac:cxnSpMkLst>
-        </pc:cxnChg>
-        <pc:cxnChg chg="add">
-          <ac:chgData name="Gabriel Casagrande" userId="e7a325a1baaa42ba" providerId="Windows Live" clId="Web-{1BD7AB38-D04B-4A80-8062-01A89D1E6CB4}" dt="2020-10-14T22:51:10.477" v="33"/>
-          <ac:cxnSpMkLst>
-            <pc:docMk/>
-            <pc:sldMk cId="2210866551" sldId="256"/>
-            <ac:cxnSpMk id="67" creationId="{5C4D3BC0-1A8B-42F8-9489-B68F884ADAFC}"/>
-          </ac:cxnSpMkLst>
-        </pc:cxnChg>
-        <pc:cxnChg chg="add">
-          <ac:chgData name="Gabriel Casagrande" userId="e7a325a1baaa42ba" providerId="Windows Live" clId="Web-{1BD7AB38-D04B-4A80-8062-01A89D1E6CB4}" dt="2020-10-14T22:51:10.477" v="33"/>
-          <ac:cxnSpMkLst>
-            <pc:docMk/>
-            <pc:sldMk cId="2210866551" sldId="256"/>
-            <ac:cxnSpMk id="68" creationId="{19D47D56-7958-4EAB-8C01-450BA8428E16}"/>
-          </ac:cxnSpMkLst>
-        </pc:cxnChg>
-        <pc:cxnChg chg="add">
-          <ac:chgData name="Gabriel Casagrande" userId="e7a325a1baaa42ba" providerId="Windows Live" clId="Web-{1BD7AB38-D04B-4A80-8062-01A89D1E6CB4}" dt="2020-10-14T22:51:10.477" v="33"/>
-          <ac:cxnSpMkLst>
-            <pc:docMk/>
-            <pc:sldMk cId="2210866551" sldId="256"/>
-            <ac:cxnSpMk id="69" creationId="{3404759C-72C2-4852-96D5-B097D297A1DC}"/>
-          </ac:cxnSpMkLst>
-        </pc:cxnChg>
-        <pc:cxnChg chg="add">
-          <ac:chgData name="Gabriel Casagrande" userId="e7a325a1baaa42ba" providerId="Windows Live" clId="Web-{1BD7AB38-D04B-4A80-8062-01A89D1E6CB4}" dt="2020-10-14T22:51:10.477" v="33"/>
-          <ac:cxnSpMkLst>
-            <pc:docMk/>
-            <pc:sldMk cId="2210866551" sldId="256"/>
-            <ac:cxnSpMk id="70" creationId="{977FE9CF-97E0-4527-B6D9-176198A7416C}"/>
-          </ac:cxnSpMkLst>
-        </pc:cxnChg>
-        <pc:cxnChg chg="add">
-          <ac:chgData name="Gabriel Casagrande" userId="e7a325a1baaa42ba" providerId="Windows Live" clId="Web-{1BD7AB38-D04B-4A80-8062-01A89D1E6CB4}" dt="2020-10-14T22:51:10.477" v="33"/>
-          <ac:cxnSpMkLst>
-            <pc:docMk/>
-            <pc:sldMk cId="2210866551" sldId="256"/>
-            <ac:cxnSpMk id="71" creationId="{23C80C46-5CC8-4383-95F4-BFD062BB9EB8}"/>
-          </ac:cxnSpMkLst>
-        </pc:cxnChg>
-        <pc:cxnChg chg="add">
-          <ac:chgData name="Gabriel Casagrande" userId="e7a325a1baaa42ba" providerId="Windows Live" clId="Web-{1BD7AB38-D04B-4A80-8062-01A89D1E6CB4}" dt="2020-10-14T22:51:10.477" v="33"/>
-          <ac:cxnSpMkLst>
-            <pc:docMk/>
-            <pc:sldMk cId="2210866551" sldId="256"/>
-            <ac:cxnSpMk id="72" creationId="{AEBF8295-3CF1-4AD7-AF88-6229E7DF5100}"/>
-          </ac:cxnSpMkLst>
-        </pc:cxnChg>
-        <pc:cxnChg chg="add">
-          <ac:chgData name="Gabriel Casagrande" userId="e7a325a1baaa42ba" providerId="Windows Live" clId="Web-{1BD7AB38-D04B-4A80-8062-01A89D1E6CB4}" dt="2020-10-14T22:51:10.477" v="33"/>
-          <ac:cxnSpMkLst>
-            <pc:docMk/>
-            <pc:sldMk cId="2210866551" sldId="256"/>
-            <ac:cxnSpMk id="73" creationId="{E434DF48-DB98-4305-B6A6-4BF7F10E3F0D}"/>
-          </ac:cxnSpMkLst>
-        </pc:cxnChg>
-        <pc:cxnChg chg="add">
-          <ac:chgData name="Gabriel Casagrande" userId="e7a325a1baaa42ba" providerId="Windows Live" clId="Web-{1BD7AB38-D04B-4A80-8062-01A89D1E6CB4}" dt="2020-10-14T22:51:10.477" v="33"/>
-          <ac:cxnSpMkLst>
-            <pc:docMk/>
-            <pc:sldMk cId="2210866551" sldId="256"/>
-            <ac:cxnSpMk id="76" creationId="{D21C8545-1834-44D6-85A8-176E5D0CDFAA}"/>
-          </ac:cxnSpMkLst>
-        </pc:cxnChg>
-        <pc:cxnChg chg="add">
-          <ac:chgData name="Gabriel Casagrande" userId="e7a325a1baaa42ba" providerId="Windows Live" clId="Web-{1BD7AB38-D04B-4A80-8062-01A89D1E6CB4}" dt="2020-10-14T22:51:10.477" v="33"/>
-          <ac:cxnSpMkLst>
-            <pc:docMk/>
-            <pc:sldMk cId="2210866551" sldId="256"/>
-            <ac:cxnSpMk id="78" creationId="{45DF9079-3E54-4DF6-BD7B-823221F2A78A}"/>
-          </ac:cxnSpMkLst>
-        </pc:cxnChg>
-        <pc:cxnChg chg="add">
-          <ac:chgData name="Gabriel Casagrande" userId="e7a325a1baaa42ba" providerId="Windows Live" clId="Web-{1BD7AB38-D04B-4A80-8062-01A89D1E6CB4}" dt="2020-10-14T22:51:10.477" v="33"/>
-          <ac:cxnSpMkLst>
-            <pc:docMk/>
-            <pc:sldMk cId="2210866551" sldId="256"/>
-            <ac:cxnSpMk id="81" creationId="{FB6EAD12-739D-4802-9449-1EBD41CF9A9B}"/>
-          </ac:cxnSpMkLst>
-        </pc:cxnChg>
-        <pc:cxnChg chg="add">
-          <ac:chgData name="Gabriel Casagrande" userId="e7a325a1baaa42ba" providerId="Windows Live" clId="Web-{1BD7AB38-D04B-4A80-8062-01A89D1E6CB4}" dt="2020-10-14T22:51:10.477" v="33"/>
-          <ac:cxnSpMkLst>
-            <pc:docMk/>
-            <pc:sldMk cId="2210866551" sldId="256"/>
-            <ac:cxnSpMk id="83" creationId="{D7C4AF53-752E-4BEE-8525-D85407BE70CB}"/>
-          </ac:cxnSpMkLst>
-        </pc:cxnChg>
-        <pc:cxnChg chg="add">
-          <ac:chgData name="Gabriel Casagrande" userId="e7a325a1baaa42ba" providerId="Windows Live" clId="Web-{1BD7AB38-D04B-4A80-8062-01A89D1E6CB4}" dt="2020-10-14T22:51:10.477" v="33"/>
-          <ac:cxnSpMkLst>
-            <pc:docMk/>
-            <pc:sldMk cId="2210866551" sldId="256"/>
-            <ac:cxnSpMk id="85" creationId="{FDE2F12F-14D3-4759-A05C-B14121EC14AC}"/>
-          </ac:cxnSpMkLst>
-        </pc:cxnChg>
-        <pc:cxnChg chg="add">
-          <ac:chgData name="Gabriel Casagrande" userId="e7a325a1baaa42ba" providerId="Windows Live" clId="Web-{1BD7AB38-D04B-4A80-8062-01A89D1E6CB4}" dt="2020-10-14T22:51:10.477" v="33"/>
-          <ac:cxnSpMkLst>
-            <pc:docMk/>
-            <pc:sldMk cId="2210866551" sldId="256"/>
-            <ac:cxnSpMk id="87" creationId="{E249DF8B-408F-4D4A-9BBC-6C625347BBD5}"/>
-          </ac:cxnSpMkLst>
-        </pc:cxnChg>
-        <pc:cxnChg chg="add">
-          <ac:chgData name="Gabriel Casagrande" userId="e7a325a1baaa42ba" providerId="Windows Live" clId="Web-{1BD7AB38-D04B-4A80-8062-01A89D1E6CB4}" dt="2020-10-14T22:51:10.477" v="33"/>
-          <ac:cxnSpMkLst>
-            <pc:docMk/>
-            <pc:sldMk cId="2210866551" sldId="256"/>
-            <ac:cxnSpMk id="88" creationId="{BA0B40B1-4603-4441-80D2-719DA2306A85}"/>
-          </ac:cxnSpMkLst>
-        </pc:cxnChg>
-        <pc:cxnChg chg="add">
-          <ac:chgData name="Gabriel Casagrande" userId="e7a325a1baaa42ba" providerId="Windows Live" clId="Web-{1BD7AB38-D04B-4A80-8062-01A89D1E6CB4}" dt="2020-10-14T22:51:10.477" v="33"/>
-          <ac:cxnSpMkLst>
-            <pc:docMk/>
-            <pc:sldMk cId="2210866551" sldId="256"/>
-            <ac:cxnSpMk id="89" creationId="{65AAF955-ED6E-4052-A9B7-58B92D80C048}"/>
-          </ac:cxnSpMkLst>
-        </pc:cxnChg>
-        <pc:cxnChg chg="add">
-          <ac:chgData name="Gabriel Casagrande" userId="e7a325a1baaa42ba" providerId="Windows Live" clId="Web-{1BD7AB38-D04B-4A80-8062-01A89D1E6CB4}" dt="2020-10-14T22:51:10.477" v="33"/>
-          <ac:cxnSpMkLst>
-            <pc:docMk/>
-            <pc:sldMk cId="2210866551" sldId="256"/>
-            <ac:cxnSpMk id="91" creationId="{F39D81C7-5692-4125-80C0-C12E80BAD804}"/>
-          </ac:cxnSpMkLst>
-        </pc:cxnChg>
-        <pc:cxnChg chg="add">
-          <ac:chgData name="Gabriel Casagrande" userId="e7a325a1baaa42ba" providerId="Windows Live" clId="Web-{1BD7AB38-D04B-4A80-8062-01A89D1E6CB4}" dt="2020-10-14T22:51:10.477" v="33"/>
-          <ac:cxnSpMkLst>
-            <pc:docMk/>
-            <pc:sldMk cId="2210866551" sldId="256"/>
-            <ac:cxnSpMk id="95" creationId="{BA3BAF20-8163-4143-A60C-3B4D82782608}"/>
-          </ac:cxnSpMkLst>
-        </pc:cxnChg>
-        <pc:cxnChg chg="add">
-          <ac:chgData name="Gabriel Casagrande" userId="e7a325a1baaa42ba" providerId="Windows Live" clId="Web-{1BD7AB38-D04B-4A80-8062-01A89D1E6CB4}" dt="2020-10-14T22:51:10.477" v="33"/>
-          <ac:cxnSpMkLst>
-            <pc:docMk/>
-            <pc:sldMk cId="2210866551" sldId="256"/>
-            <ac:cxnSpMk id="96" creationId="{FB53E776-B3C3-495C-AB97-5A3D70784F1B}"/>
-          </ac:cxnSpMkLst>
-        </pc:cxnChg>
+        <pc:picChg chg="mod">
+          <ac:chgData name="" userId="" providerId="" clId="Web-{0589B1FC-DBA7-4F3F-9EA7-3330450B0594}" dt="2020-11-07T06:28:40.948" v="0" actId="1076"/>
+          <ac:picMkLst>
+            <pc:docMk/>
+            <pc:sldMk cId="2210866551" sldId="256"/>
+            <ac:picMk id="1030" creationId="{AC6317AD-FAEC-4643-B8D2-EA4D0288F98D}"/>
+          </ac:picMkLst>
+        </pc:picChg>
       </pc:sldChg>
     </pc:docChg>
   </pc:docChgLst>
   <pc:docChgLst>
-    <pc:chgData name="Gabriel Casagrande" userId="e7a325a1baaa42ba" providerId="Windows Live" clId="Web-{56E38467-D644-4A5F-A6FE-50F189C49507}"/>
+    <pc:chgData name="Edilene Marques" userId="ad8df458748d149b" providerId="Windows Live" clId="Web-{0FCC50A4-8FD7-448E-8CFC-EB2033263CDD}"/>
     <pc:docChg chg="modSld">
-      <pc:chgData name="Gabriel Casagrande" userId="e7a325a1baaa42ba" providerId="Windows Live" clId="Web-{56E38467-D644-4A5F-A6FE-50F189C49507}" dt="2020-10-14T22:37:16.067" v="1"/>
+      <pc:chgData name="Edilene Marques" userId="ad8df458748d149b" providerId="Windows Live" clId="Web-{0FCC50A4-8FD7-448E-8CFC-EB2033263CDD}" dt="2020-10-15T03:06:29.535" v="0" actId="1076"/>
       <pc:docMkLst>
         <pc:docMk/>
       </pc:docMkLst>
-      <pc:sldChg chg="delSp">
-        <pc:chgData name="Gabriel Casagrande" userId="e7a325a1baaa42ba" providerId="Windows Live" clId="Web-{56E38467-D644-4A5F-A6FE-50F189C49507}" dt="2020-10-14T22:37:16.067" v="1"/>
+      <pc:sldChg chg="modSp">
+        <pc:chgData name="Edilene Marques" userId="ad8df458748d149b" providerId="Windows Live" clId="Web-{0FCC50A4-8FD7-448E-8CFC-EB2033263CDD}" dt="2020-10-15T03:06:29.535" v="0" actId="1076"/>
         <pc:sldMkLst>
           <pc:docMk/>
           <pc:sldMk cId="2210866551" sldId="256"/>
         </pc:sldMkLst>
-        <pc:spChg chg="del">
-          <ac:chgData name="Gabriel Casagrande" userId="e7a325a1baaa42ba" providerId="Windows Live" clId="Web-{56E38467-D644-4A5F-A6FE-50F189C49507}" dt="2020-10-14T22:37:16.067" v="1"/>
-          <ac:spMkLst>
-            <pc:docMk/>
-            <pc:sldMk cId="2210866551" sldId="256"/>
-            <ac:spMk id="2" creationId="{00000000-0000-0000-0000-000000000000}"/>
-          </ac:spMkLst>
-        </pc:spChg>
-        <pc:spChg chg="del">
-          <ac:chgData name="Gabriel Casagrande" userId="e7a325a1baaa42ba" providerId="Windows Live" clId="Web-{56E38467-D644-4A5F-A6FE-50F189C49507}" dt="2020-10-14T22:37:15.192" v="0"/>
-          <ac:spMkLst>
-            <pc:docMk/>
-            <pc:sldMk cId="2210866551" sldId="256"/>
-            <ac:spMk id="3" creationId="{00000000-0000-0000-0000-000000000000}"/>
+        <pc:spChg chg="mod">
+          <ac:chgData name="Edilene Marques" userId="ad8df458748d149b" providerId="Windows Live" clId="Web-{0FCC50A4-8FD7-448E-8CFC-EB2033263CDD}" dt="2020-10-15T03:06:29.535" v="0" actId="1076"/>
+          <ac:spMkLst>
+            <pc:docMk/>
+            <pc:sldMk cId="2210866551" sldId="256"/>
+            <ac:spMk id="74" creationId="{545B2C1E-5A5E-4AC4-AC73-7B635F4654FD}"/>
           </ac:spMkLst>
         </pc:spChg>
       </pc:sldChg>
@@ -1652,32 +2104,88 @@
     </pc:docChg>
   </pc:docChgLst>
   <pc:docChgLst>
-    <pc:chgData name="Eduardo Marques" userId="b9dd18581288d1e4" providerId="Windows Live" clId="Web-{563CE5BB-1BF4-4151-B263-DD551E366814}"/>
+    <pc:chgData name="Eduardo Marques" userId="b9dd18581288d1e4" providerId="Windows Live" clId="Web-{CBF341C9-5924-44A6-B2FC-E2E2939E44F1}"/>
     <pc:docChg chg="modSld">
-      <pc:chgData name="Eduardo Marques" userId="b9dd18581288d1e4" providerId="Windows Live" clId="Web-{563CE5BB-1BF4-4151-B263-DD551E366814}" dt="2020-10-17T04:18:37.314" v="10" actId="14100"/>
+      <pc:chgData name="Eduardo Marques" userId="b9dd18581288d1e4" providerId="Windows Live" clId="Web-{CBF341C9-5924-44A6-B2FC-E2E2939E44F1}" dt="2020-11-11T23:39:25.478" v="2" actId="1076"/>
+      <pc:docMkLst>
+        <pc:docMk/>
+      </pc:docMkLst>
+      <pc:sldChg chg="modSp">
+        <pc:chgData name="Eduardo Marques" userId="b9dd18581288d1e4" providerId="Windows Live" clId="Web-{CBF341C9-5924-44A6-B2FC-E2E2939E44F1}" dt="2020-11-11T23:39:25.478" v="2" actId="1076"/>
+        <pc:sldMkLst>
+          <pc:docMk/>
+          <pc:sldMk cId="2210866551" sldId="256"/>
+        </pc:sldMkLst>
+        <pc:picChg chg="mod">
+          <ac:chgData name="Eduardo Marques" userId="b9dd18581288d1e4" providerId="Windows Live" clId="Web-{CBF341C9-5924-44A6-B2FC-E2E2939E44F1}" dt="2020-11-11T23:39:25.478" v="2" actId="1076"/>
+          <ac:picMkLst>
+            <pc:docMk/>
+            <pc:sldMk cId="2210866551" sldId="256"/>
+            <ac:picMk id="2" creationId="{0DD33132-73AA-4AC5-A633-84AEC6FA746F}"/>
+          </ac:picMkLst>
+        </pc:picChg>
+      </pc:sldChg>
+    </pc:docChg>
+  </pc:docChgLst>
+  <pc:docChgLst>
+    <pc:chgData name="Caio Ferreira" userId="aa37e96bb8b72277" providerId="LiveId" clId="{98D49038-D987-4462-BE13-361956193002}"/>
+    <pc:docChg chg="modSld">
+      <pc:chgData name="Caio Ferreira" userId="aa37e96bb8b72277" providerId="LiveId" clId="{98D49038-D987-4462-BE13-361956193002}" dt="2020-11-07T12:32:05.791" v="0" actId="1076"/>
+      <pc:docMkLst>
+        <pc:docMk/>
+      </pc:docMkLst>
+      <pc:sldChg chg="modSp mod">
+        <pc:chgData name="Caio Ferreira" userId="aa37e96bb8b72277" providerId="LiveId" clId="{98D49038-D987-4462-BE13-361956193002}" dt="2020-11-07T12:32:05.791" v="0" actId="1076"/>
+        <pc:sldMkLst>
+          <pc:docMk/>
+          <pc:sldMk cId="1126375434" sldId="257"/>
+        </pc:sldMkLst>
+        <pc:spChg chg="mod">
+          <ac:chgData name="Caio Ferreira" userId="aa37e96bb8b72277" providerId="LiveId" clId="{98D49038-D987-4462-BE13-361956193002}" dt="2020-11-07T12:32:05.791" v="0" actId="1076"/>
+          <ac:spMkLst>
+            <pc:docMk/>
+            <pc:sldMk cId="1126375434" sldId="257"/>
+            <ac:spMk id="4" creationId="{C4F3BE12-2B4B-4FAA-B40E-D310BE1EC834}"/>
+          </ac:spMkLst>
+        </pc:spChg>
+      </pc:sldChg>
+    </pc:docChg>
+  </pc:docChgLst>
+  <pc:docChgLst>
+    <pc:chgData name="Eduardo Marques" userId="b9dd18581288d1e4" providerId="Windows Live" clId="Web-{2C03C9F3-3898-4A4B-9F56-DD4C393BA88D}"/>
+    <pc:docChg chg="modSld">
+      <pc:chgData name="Eduardo Marques" userId="b9dd18581288d1e4" providerId="Windows Live" clId="Web-{2C03C9F3-3898-4A4B-9F56-DD4C393BA88D}" dt="2020-11-07T06:27:05.290" v="9" actId="1076"/>
       <pc:docMkLst>
         <pc:docMk/>
       </pc:docMkLst>
       <pc:sldChg chg="addSp delSp modSp">
-        <pc:chgData name="Eduardo Marques" userId="b9dd18581288d1e4" providerId="Windows Live" clId="Web-{563CE5BB-1BF4-4151-B263-DD551E366814}" dt="2020-10-17T04:18:37.314" v="10" actId="14100"/>
+        <pc:chgData name="Eduardo Marques" userId="b9dd18581288d1e4" providerId="Windows Live" clId="Web-{2C03C9F3-3898-4A4B-9F56-DD4C393BA88D}" dt="2020-11-07T06:27:05.290" v="9" actId="1076"/>
         <pc:sldMkLst>
           <pc:docMk/>
           <pc:sldMk cId="1126375434" sldId="257"/>
         </pc:sldMkLst>
+        <pc:spChg chg="add mod">
+          <ac:chgData name="Eduardo Marques" userId="b9dd18581288d1e4" providerId="Windows Live" clId="Web-{2C03C9F3-3898-4A4B-9F56-DD4C393BA88D}" dt="2020-11-07T06:27:05.290" v="9" actId="1076"/>
+          <ac:spMkLst>
+            <pc:docMk/>
+            <pc:sldMk cId="1126375434" sldId="257"/>
+            <ac:spMk id="4" creationId="{C4F3BE12-2B4B-4FAA-B40E-D310BE1EC834}"/>
+          </ac:spMkLst>
+        </pc:spChg>
         <pc:picChg chg="add mod">
-          <ac:chgData name="Eduardo Marques" userId="b9dd18581288d1e4" providerId="Windows Live" clId="Web-{563CE5BB-1BF4-4151-B263-DD551E366814}" dt="2020-10-17T04:18:37.314" v="10" actId="14100"/>
+          <ac:chgData name="Eduardo Marques" userId="b9dd18581288d1e4" providerId="Windows Live" clId="Web-{2C03C9F3-3898-4A4B-9F56-DD4C393BA88D}" dt="2020-11-07T06:27:05.290" v="8" actId="1076"/>
           <ac:picMkLst>
             <pc:docMk/>
             <pc:sldMk cId="1126375434" sldId="257"/>
-            <ac:picMk id="2" creationId="{20F07FF3-D3EB-48A3-84DC-194E598FD213}"/>
+            <ac:picMk id="2" creationId="{47A83637-C92D-4202-8807-15F7648C06BA}"/>
           </ac:picMkLst>
         </pc:picChg>
         <pc:picChg chg="del">
-          <ac:chgData name="Eduardo Marques" userId="b9dd18581288d1e4" providerId="Windows Live" clId="Web-{563CE5BB-1BF4-4151-B263-DD551E366814}" dt="2020-10-17T04:18:04.093" v="0"/>
+          <ac:chgData name="Eduardo Marques" userId="b9dd18581288d1e4" providerId="Windows Live" clId="Web-{2C03C9F3-3898-4A4B-9F56-DD4C393BA88D}" dt="2020-11-07T06:26:53.836" v="0"/>
           <ac:picMkLst>
             <pc:docMk/>
             <pc:sldMk cId="1126375434" sldId="257"/>
-            <ac:picMk id="9" creationId="{60801C57-41E6-4957-9CEE-3CBB2F10BD0C}"/>
+            <ac:picMk id="3" creationId="{942EBFAB-7F3D-4DF7-89E5-7B136B0B9890}"/>
           </ac:picMkLst>
         </pc:picChg>
       </pc:sldChg>
@@ -1728,38 +2236,6 @@
             <ac:cxnSpMk id="72" creationId="{AEBF8295-3CF1-4AD7-AF88-6229E7DF5100}"/>
           </ac:cxnSpMkLst>
         </pc:cxnChg>
-      </pc:sldChg>
-    </pc:docChg>
-  </pc:docChgLst>
-  <pc:docChgLst>
-    <pc:chgData name="Edilene Marques" userId="ad8df458748d149b" providerId="Windows Live" clId="Web-{74BE9D4A-FAF7-4CCF-B0E9-9B9307A58EE0}"/>
-    <pc:docChg chg="modSld">
-      <pc:chgData name="Edilene Marques" userId="ad8df458748d149b" providerId="Windows Live" clId="Web-{74BE9D4A-FAF7-4CCF-B0E9-9B9307A58EE0}" dt="2020-10-15T01:21:38.574" v="26" actId="20577"/>
-      <pc:docMkLst>
-        <pc:docMk/>
-      </pc:docMkLst>
-      <pc:sldChg chg="modSp">
-        <pc:chgData name="Edilene Marques" userId="ad8df458748d149b" providerId="Windows Live" clId="Web-{74BE9D4A-FAF7-4CCF-B0E9-9B9307A58EE0}" dt="2020-10-15T01:21:34.340" v="24" actId="20577"/>
-        <pc:sldMkLst>
-          <pc:docMk/>
-          <pc:sldMk cId="2210866551" sldId="256"/>
-        </pc:sldMkLst>
-        <pc:spChg chg="mod">
-          <ac:chgData name="Edilene Marques" userId="ad8df458748d149b" providerId="Windows Live" clId="Web-{74BE9D4A-FAF7-4CCF-B0E9-9B9307A58EE0}" dt="2020-10-15T01:21:34.340" v="24" actId="20577"/>
-          <ac:spMkLst>
-            <pc:docMk/>
-            <pc:sldMk cId="2210866551" sldId="256"/>
-            <ac:spMk id="84" creationId="{EC389C23-43C6-41B4-971E-321A55F2CE4D}"/>
-          </ac:spMkLst>
-        </pc:spChg>
-        <pc:spChg chg="mod">
-          <ac:chgData name="Edilene Marques" userId="ad8df458748d149b" providerId="Windows Live" clId="Web-{74BE9D4A-FAF7-4CCF-B0E9-9B9307A58EE0}" dt="2020-10-15T00:34:09.518" v="0" actId="1076"/>
-          <ac:spMkLst>
-            <pc:docMk/>
-            <pc:sldMk cId="2210866551" sldId="256"/>
-            <ac:spMk id="94" creationId="{2198883C-5A43-4782-B0E9-238B6EA605FA}"/>
-          </ac:spMkLst>
-        </pc:spChg>
       </pc:sldChg>
     </pc:docChg>
   </pc:docChgLst>
@@ -1897,7 +2373,7 @@
           <a:p>
             <a:fld id="{F0E51C7C-CEA3-4CAA-BE4B-344879E7C377}" type="datetimeFigureOut">
               <a:rPr lang="de-DE" smtClean="0"/>
-              <a:t>21.10.2020</a:t>
+              <a:t>11.11.2020</a:t>
             </a:fld>
             <a:endParaRPr lang="de-DE"/>
           </a:p>
@@ -2067,7 +2543,7 @@
           <a:p>
             <a:fld id="{F0E51C7C-CEA3-4CAA-BE4B-344879E7C377}" type="datetimeFigureOut">
               <a:rPr lang="de-DE" smtClean="0"/>
-              <a:t>21.10.2020</a:t>
+              <a:t>11.11.2020</a:t>
             </a:fld>
             <a:endParaRPr lang="de-DE"/>
           </a:p>
@@ -2247,7 +2723,7 @@
           <a:p>
             <a:fld id="{F0E51C7C-CEA3-4CAA-BE4B-344879E7C377}" type="datetimeFigureOut">
               <a:rPr lang="de-DE" smtClean="0"/>
-              <a:t>21.10.2020</a:t>
+              <a:t>11.11.2020</a:t>
             </a:fld>
             <a:endParaRPr lang="de-DE"/>
           </a:p>
@@ -2417,7 +2893,7 @@
           <a:p>
             <a:fld id="{F0E51C7C-CEA3-4CAA-BE4B-344879E7C377}" type="datetimeFigureOut">
               <a:rPr lang="de-DE" smtClean="0"/>
-              <a:t>21.10.2020</a:t>
+              <a:t>11.11.2020</a:t>
             </a:fld>
             <a:endParaRPr lang="de-DE"/>
           </a:p>
@@ -2663,7 +3139,7 @@
           <a:p>
             <a:fld id="{F0E51C7C-CEA3-4CAA-BE4B-344879E7C377}" type="datetimeFigureOut">
               <a:rPr lang="de-DE" smtClean="0"/>
-              <a:t>21.10.2020</a:t>
+              <a:t>11.11.2020</a:t>
             </a:fld>
             <a:endParaRPr lang="de-DE"/>
           </a:p>
@@ -2895,7 +3371,7 @@
           <a:p>
             <a:fld id="{F0E51C7C-CEA3-4CAA-BE4B-344879E7C377}" type="datetimeFigureOut">
               <a:rPr lang="de-DE" smtClean="0"/>
-              <a:t>21.10.2020</a:t>
+              <a:t>11.11.2020</a:t>
             </a:fld>
             <a:endParaRPr lang="de-DE"/>
           </a:p>
@@ -3262,7 +3738,7 @@
           <a:p>
             <a:fld id="{F0E51C7C-CEA3-4CAA-BE4B-344879E7C377}" type="datetimeFigureOut">
               <a:rPr lang="de-DE" smtClean="0"/>
-              <a:t>21.10.2020</a:t>
+              <a:t>11.11.2020</a:t>
             </a:fld>
             <a:endParaRPr lang="de-DE"/>
           </a:p>
@@ -3380,7 +3856,7 @@
           <a:p>
             <a:fld id="{F0E51C7C-CEA3-4CAA-BE4B-344879E7C377}" type="datetimeFigureOut">
               <a:rPr lang="de-DE" smtClean="0"/>
-              <a:t>21.10.2020</a:t>
+              <a:t>11.11.2020</a:t>
             </a:fld>
             <a:endParaRPr lang="de-DE"/>
           </a:p>
@@ -3475,7 +3951,7 @@
           <a:p>
             <a:fld id="{F0E51C7C-CEA3-4CAA-BE4B-344879E7C377}" type="datetimeFigureOut">
               <a:rPr lang="de-DE" smtClean="0"/>
-              <a:t>21.10.2020</a:t>
+              <a:t>11.11.2020</a:t>
             </a:fld>
             <a:endParaRPr lang="de-DE"/>
           </a:p>
@@ -3752,7 +4228,7 @@
           <a:p>
             <a:fld id="{F0E51C7C-CEA3-4CAA-BE4B-344879E7C377}" type="datetimeFigureOut">
               <a:rPr lang="de-DE" smtClean="0"/>
-              <a:t>21.10.2020</a:t>
+              <a:t>11.11.2020</a:t>
             </a:fld>
             <a:endParaRPr lang="de-DE"/>
           </a:p>
@@ -4005,7 +4481,7 @@
           <a:p>
             <a:fld id="{F0E51C7C-CEA3-4CAA-BE4B-344879E7C377}" type="datetimeFigureOut">
               <a:rPr lang="de-DE" smtClean="0"/>
-              <a:t>21.10.2020</a:t>
+              <a:t>11.11.2020</a:t>
             </a:fld>
             <a:endParaRPr lang="de-DE"/>
           </a:p>
@@ -4218,7 +4694,7 @@
           <a:p>
             <a:fld id="{F0E51C7C-CEA3-4CAA-BE4B-344879E7C377}" type="datetimeFigureOut">
               <a:rPr lang="de-DE" smtClean="0"/>
-              <a:t>21.10.2020</a:t>
+              <a:t>11.11.2020</a:t>
             </a:fld>
             <a:endParaRPr lang="de-DE"/>
           </a:p>
@@ -4625,10 +5101,57 @@
       </p:grpSpPr>
       <p:pic>
         <p:nvPicPr>
-          <p:cNvPr id="2" name="Imagem 2" descr="Diagrama&#10;&#10;Descrição gerada automaticamente">
+          <p:cNvPr id="1030" name="Picture 6">
             <a:extLst>
               <a:ext uri="{FF2B5EF4-FFF2-40B4-BE49-F238E27FC236}">
-                <a16:creationId xmlns:a16="http://schemas.microsoft.com/office/drawing/2014/main" id="{E8946719-5723-4E88-A97A-6425AF024B1B}"/>
+                <a16:creationId xmlns:a16="http://schemas.microsoft.com/office/drawing/2014/main" id="{AC6317AD-FAEC-4643-B8D2-EA4D0288F98D}"/>
+              </a:ext>
+            </a:extLst>
+          </p:cNvPr>
+          <p:cNvPicPr>
+            <a:picLocks noChangeAspect="1" noChangeArrowheads="1"/>
+          </p:cNvPicPr>
+          <p:nvPr/>
+        </p:nvPicPr>
+        <p:blipFill>
+          <a:blip r:embed="rId2">
+            <a:extLst>
+              <a:ext uri="{28A0092B-C50C-407E-A947-70E740481C1C}">
+                <a14:useLocalDpi xmlns:a14="http://schemas.microsoft.com/office/drawing/2010/main" val="0"/>
+              </a:ext>
+            </a:extLst>
+          </a:blip>
+          <a:srcRect/>
+          <a:stretch>
+            <a:fillRect/>
+          </a:stretch>
+        </p:blipFill>
+        <p:spPr bwMode="auto">
+          <a:xfrm>
+            <a:off x="1926358" y="514966"/>
+            <a:ext cx="8500873" cy="5753185"/>
+          </a:xfrm>
+          <a:prstGeom prst="rect">
+            <a:avLst/>
+          </a:prstGeom>
+          <a:noFill/>
+          <a:extLst>
+            <a:ext uri="{909E8E84-426E-40DD-AFC4-6F175D3DCCD1}">
+              <a14:hiddenFill xmlns:a14="http://schemas.microsoft.com/office/drawing/2010/main">
+                <a:solidFill>
+                  <a:srgbClr val="FFFFFF"/>
+                </a:solidFill>
+              </a14:hiddenFill>
+            </a:ext>
+          </a:extLst>
+        </p:spPr>
+      </p:pic>
+      <p:pic>
+        <p:nvPicPr>
+          <p:cNvPr id="2" name="Imagem 3" descr="Uma imagem contendo Texto&#10;&#10;Descrição gerada automaticamente">
+            <a:extLst>
+              <a:ext uri="{FF2B5EF4-FFF2-40B4-BE49-F238E27FC236}">
+                <a16:creationId xmlns:a16="http://schemas.microsoft.com/office/drawing/2014/main" id="{0DD33132-73AA-4AC5-A633-84AEC6FA746F}"/>
               </a:ext>
             </a:extLst>
           </p:cNvPr>
@@ -4638,15 +5161,15 @@
           <p:nvPr/>
         </p:nvPicPr>
         <p:blipFill>
-          <a:blip r:embed="rId2"/>
+          <a:blip r:embed="rId3"/>
           <a:stretch>
             <a:fillRect/>
           </a:stretch>
         </p:blipFill>
         <p:spPr>
           <a:xfrm>
-            <a:off x="1405201" y="-2004"/>
-            <a:ext cx="9423824" cy="6856997"/>
+            <a:off x="709863" y="3258"/>
+            <a:ext cx="3888713" cy="855637"/>
           </a:xfrm>
           <a:prstGeom prst="rect">
             <a:avLst/>
@@ -4685,10 +5208,259 @@
       </p:grpSpPr>
       <p:pic>
         <p:nvPicPr>
-          <p:cNvPr id="3" name="Imagem 3" descr="Diagrama&#10;&#10;Descrição gerada automaticamente">
+          <p:cNvPr id="3074" name="Picture 2">
             <a:extLst>
               <a:ext uri="{FF2B5EF4-FFF2-40B4-BE49-F238E27FC236}">
-                <a16:creationId xmlns:a16="http://schemas.microsoft.com/office/drawing/2014/main" id="{FD951559-65CF-40AB-8A9D-E439396B4F07}"/>
+                <a16:creationId xmlns:a16="http://schemas.microsoft.com/office/drawing/2014/main" id="{E370A028-2A80-405F-A788-E1F168BDD367}"/>
+              </a:ext>
+            </a:extLst>
+          </p:cNvPr>
+          <p:cNvPicPr>
+            <a:picLocks noChangeAspect="1" noChangeArrowheads="1"/>
+          </p:cNvPicPr>
+          <p:nvPr/>
+        </p:nvPicPr>
+        <p:blipFill>
+          <a:blip r:embed="rId2">
+            <a:extLst>
+              <a:ext uri="{28A0092B-C50C-407E-A947-70E740481C1C}">
+                <a14:useLocalDpi xmlns:a14="http://schemas.microsoft.com/office/drawing/2010/main" val="0"/>
+              </a:ext>
+            </a:extLst>
+          </a:blip>
+          <a:srcRect/>
+          <a:stretch>
+            <a:fillRect/>
+          </a:stretch>
+        </p:blipFill>
+        <p:spPr bwMode="auto">
+          <a:xfrm>
+            <a:off x="2104780" y="673143"/>
+            <a:ext cx="7766950" cy="5699190"/>
+          </a:xfrm>
+          <a:prstGeom prst="rect">
+            <a:avLst/>
+          </a:prstGeom>
+          <a:noFill/>
+          <a:extLst>
+            <a:ext uri="{909E8E84-426E-40DD-AFC4-6F175D3DCCD1}">
+              <a14:hiddenFill xmlns:a14="http://schemas.microsoft.com/office/drawing/2010/main">
+                <a:solidFill>
+                  <a:srgbClr val="FFFFFF"/>
+                </a:solidFill>
+              </a14:hiddenFill>
+            </a:ext>
+          </a:extLst>
+        </p:spPr>
+      </p:pic>
+      <p:pic>
+        <p:nvPicPr>
+          <p:cNvPr id="2" name="Imagem 2" descr="Uma imagem contendo Texto&#10;&#10;Descrição gerada automaticamente">
+            <a:extLst>
+              <a:ext uri="{FF2B5EF4-FFF2-40B4-BE49-F238E27FC236}">
+                <a16:creationId xmlns:a16="http://schemas.microsoft.com/office/drawing/2014/main" id="{7C2F1A99-26F8-49A9-AC1B-B1C15B6A5430}"/>
+              </a:ext>
+            </a:extLst>
+          </p:cNvPr>
+          <p:cNvPicPr>
+            <a:picLocks noChangeAspect="1"/>
+          </p:cNvPicPr>
+          <p:nvPr/>
+        </p:nvPicPr>
+        <p:blipFill>
+          <a:blip r:embed="rId3"/>
+          <a:stretch>
+            <a:fillRect/>
+          </a:stretch>
+        </p:blipFill>
+        <p:spPr>
+          <a:xfrm>
+            <a:off x="-2005" y="3258"/>
+            <a:ext cx="4525879" cy="1006141"/>
+          </a:xfrm>
+          <a:prstGeom prst="rect">
+            <a:avLst/>
+          </a:prstGeom>
+        </p:spPr>
+      </p:pic>
+    </p:spTree>
+    <p:extLst>
+      <p:ext uri="{BB962C8B-B14F-4D97-AF65-F5344CB8AC3E}">
+        <p14:creationId xmlns:p14="http://schemas.microsoft.com/office/powerpoint/2010/main" val="4148193055"/>
+      </p:ext>
+    </p:extLst>
+  </p:cSld>
+  <p:clrMapOvr>
+    <a:masterClrMapping/>
+  </p:clrMapOvr>
+</p:sld>
+</file>
+
+<file path=ppt/slides/slide3.xml><?xml version="1.0" encoding="utf-8"?>
+<p:sld xmlns:a="http://schemas.openxmlformats.org/drawingml/2006/main" xmlns:r="http://schemas.openxmlformats.org/officeDocument/2006/relationships" xmlns:p="http://schemas.openxmlformats.org/presentationml/2006/main">
+  <p:cSld>
+    <p:spTree>
+      <p:nvGrpSpPr>
+        <p:cNvPr id="1" name=""/>
+        <p:cNvGrpSpPr/>
+        <p:nvPr/>
+      </p:nvGrpSpPr>
+      <p:grpSpPr>
+        <a:xfrm>
+          <a:off x="0" y="0"/>
+          <a:ext cx="0" cy="0"/>
+          <a:chOff x="0" y="0"/>
+          <a:chExt cx="0" cy="0"/>
+        </a:xfrm>
+      </p:grpSpPr>
+      <p:pic>
+        <p:nvPicPr>
+          <p:cNvPr id="2052" name="Picture 4">
+            <a:extLst>
+              <a:ext uri="{FF2B5EF4-FFF2-40B4-BE49-F238E27FC236}">
+                <a16:creationId xmlns:a16="http://schemas.microsoft.com/office/drawing/2014/main" id="{877162CA-6AAA-44A4-972B-4BB818FCCD9A}"/>
+              </a:ext>
+            </a:extLst>
+          </p:cNvPr>
+          <p:cNvPicPr>
+            <a:picLocks noChangeAspect="1" noChangeArrowheads="1"/>
+          </p:cNvPicPr>
+          <p:nvPr/>
+        </p:nvPicPr>
+        <p:blipFill>
+          <a:blip r:embed="rId2">
+            <a:extLst>
+              <a:ext uri="{28A0092B-C50C-407E-A947-70E740481C1C}">
+                <a14:useLocalDpi xmlns:a14="http://schemas.microsoft.com/office/drawing/2010/main" val="0"/>
+              </a:ext>
+            </a:extLst>
+          </a:blip>
+          <a:srcRect/>
+          <a:stretch>
+            <a:fillRect/>
+          </a:stretch>
+        </p:blipFill>
+        <p:spPr bwMode="auto">
+          <a:xfrm>
+            <a:off x="1538783" y="649238"/>
+            <a:ext cx="9243158" cy="5557051"/>
+          </a:xfrm>
+          <a:prstGeom prst="rect">
+            <a:avLst/>
+          </a:prstGeom>
+          <a:noFill/>
+          <a:extLst>
+            <a:ext uri="{909E8E84-426E-40DD-AFC4-6F175D3DCCD1}">
+              <a14:hiddenFill xmlns:a14="http://schemas.microsoft.com/office/drawing/2010/main">
+                <a:solidFill>
+                  <a:srgbClr val="FFFFFF"/>
+                </a:solidFill>
+              </a14:hiddenFill>
+            </a:ext>
+          </a:extLst>
+        </p:spPr>
+      </p:pic>
+      <p:pic>
+        <p:nvPicPr>
+          <p:cNvPr id="2" name="Imagem 3" descr="Uma imagem contendo Interface gráfica do usuário&#10;&#10;Descrição gerada automaticamente">
+            <a:extLst>
+              <a:ext uri="{FF2B5EF4-FFF2-40B4-BE49-F238E27FC236}">
+                <a16:creationId xmlns:a16="http://schemas.microsoft.com/office/drawing/2014/main" id="{47A83637-C92D-4202-8807-15F7648C06BA}"/>
+              </a:ext>
+            </a:extLst>
+          </p:cNvPr>
+          <p:cNvPicPr>
+            <a:picLocks noChangeAspect="1"/>
+          </p:cNvPicPr>
+          <p:nvPr/>
+        </p:nvPicPr>
+        <p:blipFill>
+          <a:blip r:embed="rId3"/>
+          <a:stretch>
+            <a:fillRect/>
+          </a:stretch>
+        </p:blipFill>
+        <p:spPr>
+          <a:xfrm>
+            <a:off x="3176" y="4047"/>
+            <a:ext cx="4375485" cy="966036"/>
+          </a:xfrm>
+          <a:prstGeom prst="rect">
+            <a:avLst/>
+          </a:prstGeom>
+        </p:spPr>
+      </p:pic>
+      <p:sp>
+        <p:nvSpPr>
+          <p:cNvPr id="4" name="CaixaDeTexto 3">
+            <a:extLst>
+              <a:ext uri="{FF2B5EF4-FFF2-40B4-BE49-F238E27FC236}">
+                <a16:creationId xmlns:a16="http://schemas.microsoft.com/office/drawing/2014/main" id="{C4F3BE12-2B4B-4FAA-B40E-D310BE1EC834}"/>
+              </a:ext>
+            </a:extLst>
+          </p:cNvPr>
+          <p:cNvSpPr txBox="1"/>
+          <p:nvPr/>
+        </p:nvSpPr>
+        <p:spPr>
+          <a:xfrm>
+            <a:off x="1105171" y="296585"/>
+            <a:ext cx="2462464" cy="329227"/>
+          </a:xfrm>
+          <a:prstGeom prst="rect">
+            <a:avLst/>
+          </a:prstGeom>
+          <a:noFill/>
+        </p:spPr>
+        <p:txBody>
+          <a:bodyPr rot="0" spcFirstLastPara="0" vertOverflow="overflow" horzOverflow="overflow" vert="horz" wrap="square" lIns="91440" tIns="45720" rIns="91440" bIns="45720" numCol="1" spcCol="0" rtlCol="0" fromWordArt="0" anchor="t" anchorCtr="0" forceAA="0" compatLnSpc="1">
+            <a:prstTxWarp prst="textNoShape">
+              <a:avLst/>
+            </a:prstTxWarp>
+            <a:spAutoFit/>
+          </a:bodyPr>
+          <a:lstStyle/>
+          <a:p>
+            <a:endParaRPr lang="pt-BR"/>
+          </a:p>
+        </p:txBody>
+      </p:sp>
+    </p:spTree>
+    <p:extLst>
+      <p:ext uri="{BB962C8B-B14F-4D97-AF65-F5344CB8AC3E}">
+        <p14:creationId xmlns:p14="http://schemas.microsoft.com/office/powerpoint/2010/main" val="1126375434"/>
+      </p:ext>
+    </p:extLst>
+  </p:cSld>
+  <p:clrMapOvr>
+    <a:masterClrMapping/>
+  </p:clrMapOvr>
+</p:sld>
+</file>
+
+<file path=ppt/slides/slide4.xml><?xml version="1.0" encoding="utf-8"?>
+<p:sld xmlns:a="http://schemas.openxmlformats.org/drawingml/2006/main" xmlns:r="http://schemas.openxmlformats.org/officeDocument/2006/relationships" xmlns:p="http://schemas.openxmlformats.org/presentationml/2006/main">
+  <p:cSld>
+    <p:spTree>
+      <p:nvGrpSpPr>
+        <p:cNvPr id="1" name=""/>
+        <p:cNvGrpSpPr/>
+        <p:nvPr/>
+      </p:nvGrpSpPr>
+      <p:grpSpPr>
+        <a:xfrm>
+          <a:off x="0" y="0"/>
+          <a:ext cx="0" cy="0"/>
+          <a:chOff x="0" y="0"/>
+          <a:chExt cx="0" cy="0"/>
+        </a:xfrm>
+      </p:grpSpPr>
+      <p:pic>
+        <p:nvPicPr>
+          <p:cNvPr id="2" name="Imagem 2" descr="Uma imagem contendo Texto&#10;&#10;Descrição gerada automaticamente">
+            <a:extLst>
+              <a:ext uri="{FF2B5EF4-FFF2-40B4-BE49-F238E27FC236}">
+                <a16:creationId xmlns:a16="http://schemas.microsoft.com/office/drawing/2014/main" id="{AE97D02A-73A7-4860-8802-B5A44AC339E3}"/>
               </a:ext>
             </a:extLst>
           </p:cNvPr>
@@ -4705,18 +5477,100 @@
         </p:blipFill>
         <p:spPr>
           <a:xfrm>
-            <a:off x="1450303" y="250507"/>
-            <a:ext cx="9527522" cy="6456125"/>
+            <a:off x="358942" y="103521"/>
+            <a:ext cx="4515853" cy="996115"/>
           </a:xfrm>
           <a:prstGeom prst="rect">
             <a:avLst/>
           </a:prstGeom>
         </p:spPr>
       </p:pic>
+      <p:pic>
+        <p:nvPicPr>
+          <p:cNvPr id="4098" name="Picture 2">
+            <a:extLst>
+              <a:ext uri="{FF2B5EF4-FFF2-40B4-BE49-F238E27FC236}">
+                <a16:creationId xmlns:a16="http://schemas.microsoft.com/office/drawing/2014/main" id="{2E67D062-913A-4541-BB3B-E7375EF3E743}"/>
+              </a:ext>
+            </a:extLst>
+          </p:cNvPr>
+          <p:cNvPicPr>
+            <a:picLocks noChangeAspect="1" noChangeArrowheads="1"/>
+          </p:cNvPicPr>
+          <p:nvPr/>
+        </p:nvPicPr>
+        <p:blipFill>
+          <a:blip r:embed="rId3">
+            <a:extLst>
+              <a:ext uri="{28A0092B-C50C-407E-A947-70E740481C1C}">
+                <a14:useLocalDpi xmlns:a14="http://schemas.microsoft.com/office/drawing/2010/main" val="0"/>
+              </a:ext>
+            </a:extLst>
+          </a:blip>
+          <a:srcRect/>
+          <a:stretch>
+            <a:fillRect/>
+          </a:stretch>
+        </p:blipFill>
+        <p:spPr bwMode="auto">
+          <a:xfrm>
+            <a:off x="977973" y="695033"/>
+            <a:ext cx="10251500" cy="5756065"/>
+          </a:xfrm>
+          <a:prstGeom prst="rect">
+            <a:avLst/>
+          </a:prstGeom>
+          <a:noFill/>
+          <a:extLst>
+            <a:ext uri="{909E8E84-426E-40DD-AFC4-6F175D3DCCD1}">
+              <a14:hiddenFill xmlns:a14="http://schemas.microsoft.com/office/drawing/2010/main">
+                <a:solidFill>
+                  <a:srgbClr val="FFFFFF"/>
+                </a:solidFill>
+              </a14:hiddenFill>
+            </a:ext>
+          </a:extLst>
+        </p:spPr>
+      </p:pic>
+      <p:sp>
+        <p:nvSpPr>
+          <p:cNvPr id="3" name="CaixaDeTexto 2">
+            <a:extLst>
+              <a:ext uri="{FF2B5EF4-FFF2-40B4-BE49-F238E27FC236}">
+                <a16:creationId xmlns:a16="http://schemas.microsoft.com/office/drawing/2014/main" id="{81163D42-96D8-4B9D-A419-5D9CB03380FA}"/>
+              </a:ext>
+            </a:extLst>
+          </p:cNvPr>
+          <p:cNvSpPr txBox="1"/>
+          <p:nvPr/>
+        </p:nvSpPr>
+        <p:spPr>
+          <a:xfrm>
+            <a:off x="4724400" y="3200400"/>
+            <a:ext cx="2743200" cy="369332"/>
+          </a:xfrm>
+          <a:prstGeom prst="rect">
+            <a:avLst/>
+          </a:prstGeom>
+          <a:noFill/>
+        </p:spPr>
+        <p:txBody>
+          <a:bodyPr rot="0" spcFirstLastPara="0" vertOverflow="overflow" horzOverflow="overflow" vert="horz" wrap="square" lIns="91440" tIns="45720" rIns="91440" bIns="45720" numCol="1" spcCol="0" rtlCol="0" fromWordArt="0" anchor="t" anchorCtr="0" forceAA="0" compatLnSpc="1">
+            <a:prstTxWarp prst="textNoShape">
+              <a:avLst/>
+            </a:prstTxWarp>
+            <a:spAutoFit/>
+          </a:bodyPr>
+          <a:lstStyle/>
+          <a:p>
+            <a:endParaRPr lang="pt-BR"/>
+          </a:p>
+        </p:txBody>
+      </p:sp>
     </p:spTree>
     <p:extLst>
       <p:ext uri="{BB962C8B-B14F-4D97-AF65-F5344CB8AC3E}">
-        <p14:creationId xmlns:p14="http://schemas.microsoft.com/office/powerpoint/2010/main" val="1126375434"/>
+        <p14:creationId xmlns:p14="http://schemas.microsoft.com/office/powerpoint/2010/main" val="2830219906"/>
       </p:ext>
     </p:extLst>
   </p:cSld>
